--- a/netty-game-server.pptx
+++ b/netty-game-server.pptx
@@ -9,6 +9,8 @@
     <p:sldId id="257" r:id="rId3"/>
     <p:sldId id="258" r:id="rId4"/>
     <p:sldId id="259" r:id="rId5"/>
+    <p:sldId id="261" r:id="rId6"/>
+    <p:sldId id="260" r:id="rId7"/>
   </p:sldIdLst>
   <p:sldSz cx="12192000" cy="6858000"/>
   <p:notesSz cx="6858000" cy="9144000"/>
@@ -107,6 +109,11 @@
       </a:defRPr>
     </a:lvl9pPr>
   </p:defaultTextStyle>
+  <p:extLst>
+    <p:ext uri="{EFAFB233-063F-42B5-8137-9DF3F51BA10A}">
+      <p15:sldGuideLst xmlns:p15="http://schemas.microsoft.com/office/powerpoint/2012/main"/>
+    </p:ext>
+  </p:extLst>
 </p:presentation>
 </file>
 
@@ -241,7 +248,7 @@
           <a:p>
             <a:fld id="{E029E999-9251-41E5-A317-F2482107046E}" type="datetimeFigureOut">
               <a:rPr lang="zh-CN" altLang="en-US" smtClean="0"/>
-              <a:t>2018/4/10</a:t>
+              <a:t>2018/4/11</a:t>
             </a:fld>
             <a:endParaRPr lang="zh-CN" altLang="en-US"/>
           </a:p>
@@ -411,7 +418,7 @@
           <a:p>
             <a:fld id="{E029E999-9251-41E5-A317-F2482107046E}" type="datetimeFigureOut">
               <a:rPr lang="zh-CN" altLang="en-US" smtClean="0"/>
-              <a:t>2018/4/10</a:t>
+              <a:t>2018/4/11</a:t>
             </a:fld>
             <a:endParaRPr lang="zh-CN" altLang="en-US"/>
           </a:p>
@@ -591,7 +598,7 @@
           <a:p>
             <a:fld id="{E029E999-9251-41E5-A317-F2482107046E}" type="datetimeFigureOut">
               <a:rPr lang="zh-CN" altLang="en-US" smtClean="0"/>
-              <a:t>2018/4/10</a:t>
+              <a:t>2018/4/11</a:t>
             </a:fld>
             <a:endParaRPr lang="zh-CN" altLang="en-US"/>
           </a:p>
@@ -761,7 +768,7 @@
           <a:p>
             <a:fld id="{E029E999-9251-41E5-A317-F2482107046E}" type="datetimeFigureOut">
               <a:rPr lang="zh-CN" altLang="en-US" smtClean="0"/>
-              <a:t>2018/4/10</a:t>
+              <a:t>2018/4/11</a:t>
             </a:fld>
             <a:endParaRPr lang="zh-CN" altLang="en-US"/>
           </a:p>
@@ -1007,7 +1014,7 @@
           <a:p>
             <a:fld id="{E029E999-9251-41E5-A317-F2482107046E}" type="datetimeFigureOut">
               <a:rPr lang="zh-CN" altLang="en-US" smtClean="0"/>
-              <a:t>2018/4/10</a:t>
+              <a:t>2018/4/11</a:t>
             </a:fld>
             <a:endParaRPr lang="zh-CN" altLang="en-US"/>
           </a:p>
@@ -1239,7 +1246,7 @@
           <a:p>
             <a:fld id="{E029E999-9251-41E5-A317-F2482107046E}" type="datetimeFigureOut">
               <a:rPr lang="zh-CN" altLang="en-US" smtClean="0"/>
-              <a:t>2018/4/10</a:t>
+              <a:t>2018/4/11</a:t>
             </a:fld>
             <a:endParaRPr lang="zh-CN" altLang="en-US"/>
           </a:p>
@@ -1606,7 +1613,7 @@
           <a:p>
             <a:fld id="{E029E999-9251-41E5-A317-F2482107046E}" type="datetimeFigureOut">
               <a:rPr lang="zh-CN" altLang="en-US" smtClean="0"/>
-              <a:t>2018/4/10</a:t>
+              <a:t>2018/4/11</a:t>
             </a:fld>
             <a:endParaRPr lang="zh-CN" altLang="en-US"/>
           </a:p>
@@ -1724,7 +1731,7 @@
           <a:p>
             <a:fld id="{E029E999-9251-41E5-A317-F2482107046E}" type="datetimeFigureOut">
               <a:rPr lang="zh-CN" altLang="en-US" smtClean="0"/>
-              <a:t>2018/4/10</a:t>
+              <a:t>2018/4/11</a:t>
             </a:fld>
             <a:endParaRPr lang="zh-CN" altLang="en-US"/>
           </a:p>
@@ -1819,7 +1826,7 @@
           <a:p>
             <a:fld id="{E029E999-9251-41E5-A317-F2482107046E}" type="datetimeFigureOut">
               <a:rPr lang="zh-CN" altLang="en-US" smtClean="0"/>
-              <a:t>2018/4/10</a:t>
+              <a:t>2018/4/11</a:t>
             </a:fld>
             <a:endParaRPr lang="zh-CN" altLang="en-US"/>
           </a:p>
@@ -2096,7 +2103,7 @@
           <a:p>
             <a:fld id="{E029E999-9251-41E5-A317-F2482107046E}" type="datetimeFigureOut">
               <a:rPr lang="zh-CN" altLang="en-US" smtClean="0"/>
-              <a:t>2018/4/10</a:t>
+              <a:t>2018/4/11</a:t>
             </a:fld>
             <a:endParaRPr lang="zh-CN" altLang="en-US"/>
           </a:p>
@@ -2349,7 +2356,7 @@
           <a:p>
             <a:fld id="{E029E999-9251-41E5-A317-F2482107046E}" type="datetimeFigureOut">
               <a:rPr lang="zh-CN" altLang="en-US" smtClean="0"/>
-              <a:t>2018/4/10</a:t>
+              <a:t>2018/4/11</a:t>
             </a:fld>
             <a:endParaRPr lang="zh-CN" altLang="en-US"/>
           </a:p>
@@ -2562,7 +2569,7 @@
           <a:p>
             <a:fld id="{E029E999-9251-41E5-A317-F2482107046E}" type="datetimeFigureOut">
               <a:rPr lang="zh-CN" altLang="en-US" smtClean="0"/>
-              <a:t>2018/4/10</a:t>
+              <a:t>2018/4/11</a:t>
             </a:fld>
             <a:endParaRPr lang="zh-CN" altLang="en-US"/>
           </a:p>
@@ -3174,7 +3181,6 @@
               <a:rPr lang="en-US" altLang="zh-CN" dirty="0" smtClean="0"/>
               <a:t>game-core</a:t>
             </a:r>
-            <a:endParaRPr lang="en-US" altLang="zh-CN" dirty="0" smtClean="0"/>
           </a:p>
         </p:txBody>
       </p:sp>
@@ -3192,6 +3198,12 @@
           <a:prstGeom prst="rect">
             <a:avLst/>
           </a:prstGeom>
+          <a:solidFill>
+            <a:schemeClr val="accent6"/>
+          </a:solidFill>
+          <a:ln>
+            <a:noFill/>
+          </a:ln>
         </p:spPr>
         <p:style>
           <a:lnRef idx="2">
@@ -3236,6 +3248,12 @@
           <a:prstGeom prst="rect">
             <a:avLst/>
           </a:prstGeom>
+          <a:solidFill>
+            <a:schemeClr val="accent6"/>
+          </a:solidFill>
+          <a:ln>
+            <a:noFill/>
+          </a:ln>
         </p:spPr>
         <p:style>
           <a:lnRef idx="2">
@@ -3259,7 +3277,7 @@
           <a:p>
             <a:pPr algn="ctr"/>
             <a:r>
-              <a:rPr lang="en-US" altLang="zh-CN" dirty="0" smtClean="0"/>
+              <a:rPr lang="en-US" altLang="zh-CN" dirty="0"/>
               <a:t>logic</a:t>
             </a:r>
             <a:endParaRPr lang="zh-CN" altLang="en-US" dirty="0"/>
@@ -3280,6 +3298,12 @@
           <a:prstGeom prst="rect">
             <a:avLst/>
           </a:prstGeom>
+          <a:solidFill>
+            <a:schemeClr val="accent6"/>
+          </a:solidFill>
+          <a:ln>
+            <a:noFill/>
+          </a:ln>
         </p:spPr>
         <p:style>
           <a:lnRef idx="2">
@@ -3303,7 +3327,7 @@
           <a:p>
             <a:pPr algn="ctr"/>
             <a:r>
-              <a:rPr lang="en-US" altLang="zh-CN" dirty="0" smtClean="0"/>
+              <a:rPr lang="en-US" altLang="zh-CN" dirty="0"/>
               <a:t>message</a:t>
             </a:r>
             <a:endParaRPr lang="zh-CN" altLang="en-US" dirty="0"/>
@@ -3324,6 +3348,12 @@
           <a:prstGeom prst="rect">
             <a:avLst/>
           </a:prstGeom>
+          <a:solidFill>
+            <a:schemeClr val="accent6"/>
+          </a:solidFill>
+          <a:ln>
+            <a:noFill/>
+          </a:ln>
         </p:spPr>
         <p:style>
           <a:lnRef idx="2">
@@ -3347,7 +3377,7 @@
           <a:p>
             <a:pPr algn="ctr"/>
             <a:r>
-              <a:rPr lang="en-US" altLang="zh-CN" dirty="0" smtClean="0"/>
+              <a:rPr lang="en-US" altLang="zh-CN" dirty="0"/>
               <a:t>service</a:t>
             </a:r>
             <a:endParaRPr lang="zh-CN" altLang="en-US" dirty="0"/>
@@ -3362,7 +3392,7 @@
         </p:nvSpPr>
         <p:spPr>
           <a:xfrm>
-            <a:off x="5145207" y="1908287"/>
+            <a:off x="5154306" y="2479860"/>
             <a:ext cx="2552131" cy="368489"/>
           </a:xfrm>
           <a:prstGeom prst="rect">
@@ -3394,14 +3424,19 @@
           <p:nvPr/>
         </p:nvCxnSpPr>
         <p:spPr>
-          <a:xfrm flipV="1">
-            <a:off x="2756848" y="2092532"/>
-            <a:ext cx="2388359" cy="560326"/>
+          <a:xfrm>
+            <a:off x="2756848" y="2652858"/>
+            <a:ext cx="2397458" cy="11247"/>
           </a:xfrm>
           <a:prstGeom prst="curvedConnector3">
             <a:avLst/>
           </a:prstGeom>
           <a:ln>
+            <a:solidFill>
+              <a:schemeClr val="accent6">
+                <a:lumMod val="50000"/>
+              </a:schemeClr>
+            </a:solidFill>
             <a:tailEnd type="triangle"/>
           </a:ln>
         </p:spPr>
@@ -3428,7 +3463,7 @@
         </p:nvSpPr>
         <p:spPr>
           <a:xfrm>
-            <a:off x="5154306" y="2652857"/>
+            <a:off x="5145205" y="3257786"/>
             <a:ext cx="2552131" cy="368489"/>
           </a:xfrm>
           <a:prstGeom prst="rect">
@@ -3461,13 +3496,18 @@
         </p:nvCxnSpPr>
         <p:spPr>
           <a:xfrm flipV="1">
-            <a:off x="2756848" y="2837102"/>
-            <a:ext cx="2397458" cy="609057"/>
+            <a:off x="2756848" y="3442031"/>
+            <a:ext cx="2388357" cy="4128"/>
           </a:xfrm>
           <a:prstGeom prst="curvedConnector3">
             <a:avLst/>
           </a:prstGeom>
           <a:ln>
+            <a:solidFill>
+              <a:schemeClr val="accent6">
+                <a:lumMod val="50000"/>
+              </a:schemeClr>
+            </a:solidFill>
             <a:tailEnd type="triangle"/>
           </a:ln>
         </p:spPr>
@@ -3494,7 +3534,7 @@
         </p:nvSpPr>
         <p:spPr>
           <a:xfrm>
-            <a:off x="5145206" y="3419921"/>
+            <a:off x="5145204" y="3841579"/>
             <a:ext cx="2552131" cy="923330"/>
           </a:xfrm>
           <a:prstGeom prst="rect">
@@ -3535,13 +3575,18 @@
         </p:nvCxnSpPr>
         <p:spPr>
           <a:xfrm flipV="1">
-            <a:off x="2756848" y="3881586"/>
-            <a:ext cx="2388358" cy="426208"/>
+            <a:off x="2756848" y="4303244"/>
+            <a:ext cx="2388356" cy="4550"/>
           </a:xfrm>
           <a:prstGeom prst="curvedConnector3">
             <a:avLst/>
           </a:prstGeom>
           <a:ln>
+            <a:solidFill>
+              <a:schemeClr val="accent6">
+                <a:lumMod val="50000"/>
+              </a:schemeClr>
+            </a:solidFill>
             <a:tailEnd type="triangle"/>
           </a:ln>
         </p:spPr>
@@ -3568,7 +3613,7 @@
         </p:nvSpPr>
         <p:spPr>
           <a:xfrm>
-            <a:off x="5154306" y="4615431"/>
+            <a:off x="5127007" y="4975663"/>
             <a:ext cx="2552131" cy="369332"/>
           </a:xfrm>
           <a:prstGeom prst="rect">
@@ -3601,13 +3646,18 @@
         </p:nvCxnSpPr>
         <p:spPr>
           <a:xfrm flipV="1">
-            <a:off x="2756848" y="4800097"/>
-            <a:ext cx="2397458" cy="369332"/>
+            <a:off x="2756848" y="5160329"/>
+            <a:ext cx="2370159" cy="9100"/>
           </a:xfrm>
           <a:prstGeom prst="curvedConnector3">
             <a:avLst/>
           </a:prstGeom>
           <a:ln>
+            <a:solidFill>
+              <a:schemeClr val="accent6">
+                <a:lumMod val="50000"/>
+              </a:schemeClr>
+            </a:solidFill>
             <a:tailEnd type="triangle"/>
           </a:ln>
         </p:spPr>
@@ -3693,6 +3743,12 @@
           <a:prstGeom prst="roundRect">
             <a:avLst/>
           </a:prstGeom>
+          <a:solidFill>
+            <a:srgbClr val="002060"/>
+          </a:solidFill>
+          <a:ln>
+            <a:noFill/>
+          </a:ln>
         </p:spPr>
         <p:style>
           <a:lnRef idx="2">
@@ -3716,7 +3772,7 @@
           <a:p>
             <a:pPr algn="ctr"/>
             <a:r>
-              <a:rPr lang="en-US" altLang="zh-CN" smtClean="0"/>
+              <a:rPr lang="en-US" altLang="zh-CN" dirty="0" err="1" smtClean="0"/>
               <a:t>GameServer</a:t>
             </a:r>
             <a:endParaRPr lang="zh-CN" altLang="en-US" dirty="0"/>
@@ -3731,12 +3787,20 @@
         </p:nvSpPr>
         <p:spPr>
           <a:xfrm>
-            <a:off x="0" y="1622005"/>
+            <a:off x="-1026384" y="1578758"/>
             <a:ext cx="2688609" cy="382137"/>
           </a:xfrm>
           <a:prstGeom prst="roundRect">
             <a:avLst/>
           </a:prstGeom>
+          <a:solidFill>
+            <a:schemeClr val="accent2">
+              <a:lumMod val="75000"/>
+            </a:schemeClr>
+          </a:solidFill>
+          <a:ln>
+            <a:noFill/>
+          </a:ln>
         </p:spPr>
         <p:style>
           <a:lnRef idx="2">
@@ -3775,12 +3839,20 @@
         </p:nvSpPr>
         <p:spPr>
           <a:xfrm>
-            <a:off x="-506105" y="2911933"/>
+            <a:off x="-1026383" y="2830477"/>
             <a:ext cx="2688609" cy="382137"/>
           </a:xfrm>
           <a:prstGeom prst="roundRect">
             <a:avLst/>
           </a:prstGeom>
+          <a:solidFill>
+            <a:schemeClr val="accent4">
+              <a:lumMod val="50000"/>
+            </a:schemeClr>
+          </a:solidFill>
+          <a:ln>
+            <a:noFill/>
+          </a:ln>
         </p:spPr>
         <p:style>
           <a:lnRef idx="2">
@@ -3821,15 +3893,17 @@
           <p:nvPr/>
         </p:nvCxnSpPr>
         <p:spPr>
-          <a:xfrm rot="5400000" flipH="1" flipV="1">
-            <a:off x="637357" y="2204986"/>
-            <a:ext cx="907791" cy="506105"/>
+          <a:xfrm rot="16200000" flipV="1">
+            <a:off x="-116869" y="2395685"/>
+            <a:ext cx="869582" cy="1"/>
           </a:xfrm>
           <a:prstGeom prst="bentConnector3">
             <a:avLst/>
           </a:prstGeom>
-          <a:ln w="44450">
-            <a:headEnd type="none"/>
+          <a:ln w="38100">
+            <a:solidFill>
+              <a:schemeClr val="accent2"/>
+            </a:solidFill>
             <a:tailEnd type="diamond"/>
           </a:ln>
         </p:spPr>
@@ -3858,14 +3932,19 @@
           <p:nvPr/>
         </p:nvCxnSpPr>
         <p:spPr>
-          <a:xfrm rot="5400000" flipH="1" flipV="1">
-            <a:off x="59668" y="3552325"/>
-            <a:ext cx="1036786" cy="520277"/>
+          <a:xfrm rot="16200000" flipV="1">
+            <a:off x="-241198" y="3771734"/>
+            <a:ext cx="1118242" cy="1"/>
           </a:xfrm>
           <a:prstGeom prst="bentConnector3">
             <a:avLst/>
           </a:prstGeom>
           <a:ln w="38100">
+            <a:solidFill>
+              <a:schemeClr val="accent2">
+                <a:lumMod val="50000"/>
+              </a:schemeClr>
+            </a:solidFill>
             <a:tailEnd type="triangle"/>
           </a:ln>
         </p:spPr>
@@ -3892,12 +3971,20 @@
         </p:nvSpPr>
         <p:spPr>
           <a:xfrm>
-            <a:off x="5318788" y="1158238"/>
-            <a:ext cx="2688609" cy="382137"/>
+            <a:off x="8799604" y="2846661"/>
+            <a:ext cx="2834378" cy="382137"/>
           </a:xfrm>
           <a:prstGeom prst="roundRect">
             <a:avLst/>
           </a:prstGeom>
+          <a:solidFill>
+            <a:schemeClr val="accent4">
+              <a:lumMod val="50000"/>
+            </a:schemeClr>
+          </a:solidFill>
+          <a:ln>
+            <a:noFill/>
+          </a:ln>
         </p:spPr>
         <p:style>
           <a:lnRef idx="2">
@@ -3922,7 +4009,7 @@
             <a:pPr algn="ctr"/>
             <a:r>
               <a:rPr lang="en-US" altLang="zh-CN" dirty="0" err="1" smtClean="0"/>
-              <a:t>AbstractNettyServerServic</a:t>
+              <a:t>AbstractNettyServerService</a:t>
             </a:r>
             <a:endParaRPr lang="zh-CN" altLang="en-US" dirty="0"/>
           </a:p>
@@ -3938,14 +4025,19 @@
           <p:nvPr/>
         </p:nvCxnSpPr>
         <p:spPr>
-          <a:xfrm rot="10800000" flipV="1">
-            <a:off x="2182504" y="1349306"/>
-            <a:ext cx="3136284" cy="1753695"/>
+          <a:xfrm rot="10800000">
+            <a:off x="1662226" y="3021546"/>
+            <a:ext cx="7137378" cy="16184"/>
           </a:xfrm>
           <a:prstGeom prst="bentConnector3">
             <a:avLst/>
           </a:prstGeom>
           <a:ln w="38100">
+            <a:solidFill>
+              <a:schemeClr val="accent2">
+                <a:lumMod val="50000"/>
+              </a:schemeClr>
+            </a:solidFill>
             <a:tailEnd type="triangle"/>
           </a:ln>
         </p:spPr>
@@ -3972,12 +4064,20 @@
         </p:nvSpPr>
         <p:spPr>
           <a:xfrm>
-            <a:off x="3260582" y="2536678"/>
+            <a:off x="2022126" y="4322152"/>
             <a:ext cx="3542231" cy="382137"/>
           </a:xfrm>
           <a:prstGeom prst="roundRect">
             <a:avLst/>
           </a:prstGeom>
+          <a:solidFill>
+            <a:schemeClr val="accent4">
+              <a:lumMod val="50000"/>
+            </a:schemeClr>
+          </a:solidFill>
+          <a:ln>
+            <a:noFill/>
+          </a:ln>
         </p:spPr>
         <p:style>
           <a:lnRef idx="2">
@@ -4001,7 +4101,7 @@
           <a:p>
             <a:pPr algn="ctr"/>
             <a:r>
-              <a:rPr lang="en-US" altLang="zh-CN" dirty="0" err="1" smtClean="0"/>
+              <a:rPr lang="en-US" altLang="zh-CN" dirty="0" err="1"/>
               <a:t>AbstractNettyHttpServerService</a:t>
             </a:r>
             <a:endParaRPr lang="zh-CN" altLang="en-US" dirty="0"/>
@@ -4016,12 +4116,20 @@
         </p:nvSpPr>
         <p:spPr>
           <a:xfrm>
-            <a:off x="5242605" y="3300084"/>
+            <a:off x="9717098" y="4349289"/>
             <a:ext cx="3542231" cy="382137"/>
           </a:xfrm>
           <a:prstGeom prst="roundRect">
             <a:avLst/>
           </a:prstGeom>
+          <a:solidFill>
+            <a:schemeClr val="accent4">
+              <a:lumMod val="50000"/>
+            </a:schemeClr>
+          </a:solidFill>
+          <a:ln>
+            <a:noFill/>
+          </a:ln>
         </p:spPr>
         <p:style>
           <a:lnRef idx="2">
@@ -4046,7 +4154,7 @@
             <a:pPr algn="ctr"/>
             <a:r>
               <a:rPr lang="en-US" altLang="zh-CN" dirty="0" err="1"/>
-              <a:t>AbstractNettyTcpServerService</a:t>
+              <a:t>AbstractNettyUdpServerService</a:t>
             </a:r>
             <a:endParaRPr lang="zh-CN" altLang="en-US" dirty="0"/>
           </a:p>
@@ -4060,12 +4168,20 @@
         </p:nvSpPr>
         <p:spPr>
           <a:xfrm>
-            <a:off x="6510726" y="4044473"/>
+            <a:off x="5924256" y="4349289"/>
             <a:ext cx="3542231" cy="382137"/>
           </a:xfrm>
           <a:prstGeom prst="roundRect">
             <a:avLst/>
           </a:prstGeom>
+          <a:solidFill>
+            <a:schemeClr val="accent4">
+              <a:lumMod val="50000"/>
+            </a:schemeClr>
+          </a:solidFill>
+          <a:ln>
+            <a:noFill/>
+          </a:ln>
         </p:spPr>
         <p:style>
           <a:lnRef idx="2">
@@ -4104,12 +4220,20 @@
         </p:nvSpPr>
         <p:spPr>
           <a:xfrm>
-            <a:off x="8281841" y="2458038"/>
-            <a:ext cx="3542231" cy="382137"/>
+            <a:off x="13509940" y="4349289"/>
+            <a:ext cx="3807389" cy="382137"/>
           </a:xfrm>
           <a:prstGeom prst="roundRect">
             <a:avLst/>
           </a:prstGeom>
+          <a:solidFill>
+            <a:schemeClr val="accent4">
+              <a:lumMod val="50000"/>
+            </a:schemeClr>
+          </a:solidFill>
+          <a:ln>
+            <a:noFill/>
+          </a:ln>
         </p:spPr>
         <p:style>
           <a:lnRef idx="2">
@@ -4134,7 +4258,7 @@
             <a:pPr algn="ctr"/>
             <a:r>
               <a:rPr lang="en-US" altLang="zh-CN" dirty="0" err="1"/>
-              <a:t>AbstractNettyTcpServerService</a:t>
+              <a:t>AbstractNettyWebSocketServerService</a:t>
             </a:r>
             <a:endParaRPr lang="zh-CN" altLang="en-US" dirty="0"/>
           </a:p>
@@ -4151,13 +4275,18 @@
         </p:nvCxnSpPr>
         <p:spPr>
           <a:xfrm rot="5400000" flipH="1" flipV="1">
-            <a:off x="5349244" y="1222830"/>
-            <a:ext cx="996303" cy="1631395"/>
+            <a:off x="6458340" y="563700"/>
+            <a:ext cx="1093354" cy="6423551"/>
           </a:xfrm>
           <a:prstGeom prst="bentConnector3">
             <a:avLst/>
           </a:prstGeom>
-          <a:ln w="25400">
+          <a:ln w="38100">
+            <a:solidFill>
+              <a:schemeClr val="accent2">
+                <a:lumMod val="50000"/>
+              </a:schemeClr>
+            </a:solidFill>
             <a:tailEnd type="triangle"/>
           </a:ln>
         </p:spPr>
@@ -4187,13 +4316,18 @@
         </p:nvCxnSpPr>
         <p:spPr>
           <a:xfrm rot="16200000" flipV="1">
-            <a:off x="5958553" y="2244916"/>
-            <a:ext cx="1759709" cy="350628"/>
+            <a:off x="10292259" y="3153333"/>
+            <a:ext cx="1120491" cy="1271421"/>
           </a:xfrm>
           <a:prstGeom prst="bentConnector3">
-            <a:avLst/>
-          </a:prstGeom>
-          <a:ln w="25400">
+            <a:avLst>
+              <a:gd name="adj1" fmla="val 50000"/>
+            </a:avLst>
+          </a:prstGeom>
+          <a:ln w="38100">
+            <a:solidFill>
+              <a:schemeClr val="accent2"/>
+            </a:solidFill>
             <a:tailEnd type="triangle"/>
           </a:ln>
         </p:spPr>
@@ -4223,13 +4357,20 @@
         </p:nvCxnSpPr>
         <p:spPr>
           <a:xfrm rot="16200000" flipV="1">
-            <a:off x="7899194" y="304275"/>
-            <a:ext cx="917663" cy="3389864"/>
+            <a:off x="12254969" y="1190623"/>
+            <a:ext cx="1120491" cy="5196842"/>
           </a:xfrm>
           <a:prstGeom prst="bentConnector3">
-            <a:avLst/>
-          </a:prstGeom>
-          <a:ln w="25400">
+            <a:avLst>
+              <a:gd name="adj1" fmla="val 50000"/>
+            </a:avLst>
+          </a:prstGeom>
+          <a:ln w="38100">
+            <a:solidFill>
+              <a:schemeClr val="accent2">
+                <a:lumMod val="50000"/>
+              </a:schemeClr>
+            </a:solidFill>
             <a:tailEnd type="triangle"/>
           </a:ln>
         </p:spPr>
@@ -4253,18 +4394,582 @@
           <p:cNvPr id="42" name="肘形连接符 41"/>
           <p:cNvCxnSpPr>
             <a:stCxn id="22" idx="0"/>
+            <a:endCxn id="15" idx="2"/>
           </p:cNvCxnSpPr>
           <p:nvPr/>
         </p:nvCxnSpPr>
         <p:spPr>
+          <a:xfrm rot="5400000" flipH="1" flipV="1">
+            <a:off x="8395837" y="2528334"/>
+            <a:ext cx="1120491" cy="2521421"/>
+          </a:xfrm>
+          <a:prstGeom prst="bentConnector3">
+            <a:avLst/>
+          </a:prstGeom>
+          <a:ln w="38100">
+            <a:solidFill>
+              <a:schemeClr val="accent2">
+                <a:lumMod val="50000"/>
+              </a:schemeClr>
+            </a:solidFill>
+            <a:tailEnd type="triangle"/>
+          </a:ln>
+        </p:spPr>
+        <p:style>
+          <a:lnRef idx="1">
+            <a:schemeClr val="accent1"/>
+          </a:lnRef>
+          <a:fillRef idx="0">
+            <a:schemeClr val="accent1"/>
+          </a:fillRef>
+          <a:effectRef idx="0">
+            <a:schemeClr val="accent1"/>
+          </a:effectRef>
+          <a:fontRef idx="minor">
+            <a:schemeClr val="tx1"/>
+          </a:fontRef>
+        </p:style>
+      </p:cxnSp>
+      <p:sp>
+        <p:nvSpPr>
+          <p:cNvPr id="3" name="圆角矩形 2"/>
+          <p:cNvSpPr/>
+          <p:nvPr/>
+        </p:nvSpPr>
+        <p:spPr>
+          <a:xfrm>
+            <a:off x="408596" y="5350234"/>
+            <a:ext cx="3384645" cy="341194"/>
+          </a:xfrm>
+          <a:prstGeom prst="roundRect">
+            <a:avLst/>
+          </a:prstGeom>
+          <a:solidFill>
+            <a:schemeClr val="accent6">
+              <a:lumMod val="50000"/>
+            </a:schemeClr>
+          </a:solidFill>
+          <a:ln>
+            <a:noFill/>
+          </a:ln>
+        </p:spPr>
+        <p:style>
+          <a:lnRef idx="2">
+            <a:schemeClr val="accent1">
+              <a:shade val="50000"/>
+            </a:schemeClr>
+          </a:lnRef>
+          <a:fillRef idx="1">
+            <a:schemeClr val="accent1"/>
+          </a:fillRef>
+          <a:effectRef idx="0">
+            <a:schemeClr val="accent1"/>
+          </a:effectRef>
+          <a:fontRef idx="minor">
+            <a:schemeClr val="lt1"/>
+          </a:fontRef>
+        </p:style>
+        <p:txBody>
+          <a:bodyPr rtlCol="0" anchor="ctr"/>
+          <a:lstStyle/>
+          <a:p>
+            <a:pPr algn="ctr"/>
+            <a:r>
+              <a:rPr lang="en-US" altLang="zh-CN" dirty="0" err="1"/>
+              <a:t>GameNettyHttpServerService</a:t>
+            </a:r>
+            <a:endParaRPr lang="zh-CN" altLang="en-US" dirty="0"/>
+          </a:p>
+        </p:txBody>
+      </p:sp>
+      <p:cxnSp>
+        <p:nvCxnSpPr>
+          <p:cNvPr id="36" name="肘形连接符 35"/>
+          <p:cNvCxnSpPr>
+            <a:stCxn id="3" idx="0"/>
+            <a:endCxn id="19" idx="2"/>
+          </p:cNvCxnSpPr>
+          <p:nvPr/>
+        </p:nvCxnSpPr>
+        <p:spPr>
+          <a:xfrm rot="5400000" flipH="1" flipV="1">
+            <a:off x="2624108" y="4181101"/>
+            <a:ext cx="645945" cy="1692323"/>
+          </a:xfrm>
+          <a:prstGeom prst="bentConnector3">
+            <a:avLst/>
+          </a:prstGeom>
+          <a:ln w="38100">
+            <a:solidFill>
+              <a:schemeClr val="accent2">
+                <a:lumMod val="50000"/>
+              </a:schemeClr>
+            </a:solidFill>
+            <a:tailEnd type="triangle"/>
+          </a:ln>
+        </p:spPr>
+        <p:style>
+          <a:lnRef idx="1">
+            <a:schemeClr val="accent1"/>
+          </a:lnRef>
+          <a:fillRef idx="0">
+            <a:schemeClr val="accent1"/>
+          </a:fillRef>
+          <a:effectRef idx="0">
+            <a:schemeClr val="accent1"/>
+          </a:effectRef>
+          <a:fontRef idx="minor">
+            <a:schemeClr val="tx1"/>
+          </a:fontRef>
+        </p:style>
+      </p:cxnSp>
+      <p:sp>
+        <p:nvSpPr>
+          <p:cNvPr id="39" name="圆角矩形 38"/>
+          <p:cNvSpPr/>
+          <p:nvPr/>
+        </p:nvSpPr>
+        <p:spPr>
+          <a:xfrm>
+            <a:off x="3459082" y="5887398"/>
+            <a:ext cx="3165231" cy="341194"/>
+          </a:xfrm>
+          <a:prstGeom prst="roundRect">
+            <a:avLst/>
+          </a:prstGeom>
+          <a:solidFill>
+            <a:schemeClr val="accent6">
+              <a:lumMod val="50000"/>
+            </a:schemeClr>
+          </a:solidFill>
+          <a:ln>
+            <a:noFill/>
+          </a:ln>
+        </p:spPr>
+        <p:style>
+          <a:lnRef idx="2">
+            <a:schemeClr val="accent1">
+              <a:shade val="50000"/>
+            </a:schemeClr>
+          </a:lnRef>
+          <a:fillRef idx="1">
+            <a:schemeClr val="accent1"/>
+          </a:fillRef>
+          <a:effectRef idx="0">
+            <a:schemeClr val="accent1"/>
+          </a:effectRef>
+          <a:fontRef idx="minor">
+            <a:schemeClr val="lt1"/>
+          </a:fontRef>
+        </p:style>
+        <p:txBody>
+          <a:bodyPr rtlCol="0" anchor="ctr"/>
+          <a:lstStyle/>
+          <a:p>
+            <a:pPr algn="ctr"/>
+            <a:r>
+              <a:rPr lang="en-US" altLang="zh-CN" dirty="0" err="1"/>
+              <a:t>GameNettyRPCService</a:t>
+            </a:r>
+            <a:endParaRPr lang="zh-CN" altLang="en-US" dirty="0"/>
+          </a:p>
+        </p:txBody>
+      </p:sp>
+      <p:cxnSp>
+        <p:nvCxnSpPr>
+          <p:cNvPr id="45" name="肘形连接符 44"/>
+          <p:cNvCxnSpPr>
+            <a:stCxn id="39" idx="0"/>
+            <a:endCxn id="22" idx="2"/>
+          </p:cNvCxnSpPr>
+          <p:nvPr/>
+        </p:nvCxnSpPr>
+        <p:spPr>
+          <a:xfrm rot="5400000" flipH="1" flipV="1">
+            <a:off x="5790549" y="3982575"/>
+            <a:ext cx="1155972" cy="2653674"/>
+          </a:xfrm>
+          <a:prstGeom prst="bentConnector3">
+            <a:avLst/>
+          </a:prstGeom>
+          <a:ln w="38100">
+            <a:solidFill>
+              <a:schemeClr val="accent2">
+                <a:lumMod val="50000"/>
+              </a:schemeClr>
+            </a:solidFill>
+            <a:tailEnd type="triangle"/>
+          </a:ln>
+        </p:spPr>
+        <p:style>
+          <a:lnRef idx="1">
+            <a:schemeClr val="accent1"/>
+          </a:lnRef>
+          <a:fillRef idx="0">
+            <a:schemeClr val="accent1"/>
+          </a:fillRef>
+          <a:effectRef idx="0">
+            <a:schemeClr val="accent1"/>
+          </a:effectRef>
+          <a:fontRef idx="minor">
+            <a:schemeClr val="tx1"/>
+          </a:fontRef>
+        </p:style>
+      </p:cxnSp>
+      <p:sp>
+        <p:nvSpPr>
+          <p:cNvPr id="46" name="圆角矩形 45"/>
+          <p:cNvSpPr/>
+          <p:nvPr/>
+        </p:nvSpPr>
+        <p:spPr>
+          <a:xfrm>
+            <a:off x="7023085" y="5887399"/>
+            <a:ext cx="2966526" cy="341193"/>
+          </a:xfrm>
+          <a:prstGeom prst="roundRect">
+            <a:avLst/>
+          </a:prstGeom>
+          <a:solidFill>
+            <a:schemeClr val="accent6">
+              <a:lumMod val="50000"/>
+            </a:schemeClr>
+          </a:solidFill>
+          <a:ln>
+            <a:noFill/>
+          </a:ln>
+        </p:spPr>
+        <p:style>
+          <a:lnRef idx="2">
+            <a:schemeClr val="accent1">
+              <a:shade val="50000"/>
+            </a:schemeClr>
+          </a:lnRef>
+          <a:fillRef idx="1">
+            <a:schemeClr val="accent1"/>
+          </a:fillRef>
+          <a:effectRef idx="0">
+            <a:schemeClr val="accent1"/>
+          </a:effectRef>
+          <a:fontRef idx="minor">
+            <a:schemeClr val="lt1"/>
+          </a:fontRef>
+        </p:style>
+        <p:txBody>
+          <a:bodyPr rtlCol="0" anchor="ctr"/>
+          <a:lstStyle/>
+          <a:p>
+            <a:pPr algn="ctr"/>
+            <a:r>
+              <a:rPr lang="en-US" altLang="zh-CN" dirty="0" err="1"/>
+              <a:t>GameNettyTcpServerService</a:t>
+            </a:r>
+            <a:endParaRPr lang="zh-CN" altLang="en-US" dirty="0"/>
+          </a:p>
+        </p:txBody>
+      </p:sp>
+      <p:cxnSp>
+        <p:nvCxnSpPr>
+          <p:cNvPr id="48" name="肘形连接符 47"/>
+          <p:cNvCxnSpPr>
+            <a:stCxn id="46" idx="0"/>
+            <a:endCxn id="22" idx="2"/>
+          </p:cNvCxnSpPr>
+          <p:nvPr/>
+        </p:nvCxnSpPr>
+        <p:spPr>
           <a:xfrm rot="16200000" flipV="1">
-            <a:off x="6236875" y="1999506"/>
-            <a:ext cx="2471185" cy="1618750"/>
+            <a:off x="7522874" y="4903925"/>
+            <a:ext cx="1155973" cy="810976"/>
           </a:xfrm>
           <a:prstGeom prst="bentConnector3">
             <a:avLst/>
           </a:prstGeom>
-          <a:ln w="25400">
+          <a:ln w="38100">
+            <a:solidFill>
+              <a:schemeClr val="accent2">
+                <a:lumMod val="50000"/>
+              </a:schemeClr>
+            </a:solidFill>
+            <a:tailEnd type="triangle"/>
+          </a:ln>
+        </p:spPr>
+        <p:style>
+          <a:lnRef idx="1">
+            <a:schemeClr val="accent1"/>
+          </a:lnRef>
+          <a:fillRef idx="0">
+            <a:schemeClr val="accent1"/>
+          </a:fillRef>
+          <a:effectRef idx="0">
+            <a:schemeClr val="accent1"/>
+          </a:effectRef>
+          <a:fontRef idx="minor">
+            <a:schemeClr val="tx1"/>
+          </a:fontRef>
+        </p:style>
+      </p:cxnSp>
+      <p:sp>
+        <p:nvSpPr>
+          <p:cNvPr id="51" name="圆角矩形 50"/>
+          <p:cNvSpPr/>
+          <p:nvPr/>
+        </p:nvSpPr>
+        <p:spPr>
+          <a:xfrm>
+            <a:off x="5369839" y="6338786"/>
+            <a:ext cx="2731021" cy="341193"/>
+          </a:xfrm>
+          <a:prstGeom prst="roundRect">
+            <a:avLst/>
+          </a:prstGeom>
+          <a:solidFill>
+            <a:schemeClr val="accent6">
+              <a:lumMod val="50000"/>
+            </a:schemeClr>
+          </a:solidFill>
+          <a:ln>
+            <a:noFill/>
+          </a:ln>
+        </p:spPr>
+        <p:style>
+          <a:lnRef idx="2">
+            <a:schemeClr val="accent1">
+              <a:shade val="50000"/>
+            </a:schemeClr>
+          </a:lnRef>
+          <a:fillRef idx="1">
+            <a:schemeClr val="accent1"/>
+          </a:fillRef>
+          <a:effectRef idx="0">
+            <a:schemeClr val="accent1"/>
+          </a:effectRef>
+          <a:fontRef idx="minor">
+            <a:schemeClr val="lt1"/>
+          </a:fontRef>
+        </p:style>
+        <p:txBody>
+          <a:bodyPr rtlCol="0" anchor="ctr"/>
+          <a:lstStyle/>
+          <a:p>
+            <a:pPr algn="ctr"/>
+            <a:r>
+              <a:rPr lang="en-US" altLang="zh-CN" dirty="0" err="1"/>
+              <a:t>ProxyTcpServerService</a:t>
+            </a:r>
+            <a:endParaRPr lang="zh-CN" altLang="en-US" dirty="0"/>
+          </a:p>
+        </p:txBody>
+      </p:sp>
+      <p:cxnSp>
+        <p:nvCxnSpPr>
+          <p:cNvPr id="53" name="肘形连接符 52"/>
+          <p:cNvCxnSpPr>
+            <a:stCxn id="51" idx="0"/>
+            <a:endCxn id="22" idx="2"/>
+          </p:cNvCxnSpPr>
+          <p:nvPr/>
+        </p:nvCxnSpPr>
+        <p:spPr>
+          <a:xfrm rot="5400000" flipH="1" flipV="1">
+            <a:off x="6411681" y="5055095"/>
+            <a:ext cx="1607360" cy="960022"/>
+          </a:xfrm>
+          <a:prstGeom prst="bentConnector3">
+            <a:avLst/>
+          </a:prstGeom>
+          <a:ln w="38100">
+            <a:solidFill>
+              <a:schemeClr val="accent2">
+                <a:lumMod val="50000"/>
+              </a:schemeClr>
+            </a:solidFill>
+            <a:tailEnd type="triangle"/>
+          </a:ln>
+        </p:spPr>
+        <p:style>
+          <a:lnRef idx="1">
+            <a:schemeClr val="accent1"/>
+          </a:lnRef>
+          <a:fillRef idx="0">
+            <a:schemeClr val="accent1"/>
+          </a:fillRef>
+          <a:effectRef idx="0">
+            <a:schemeClr val="accent1"/>
+          </a:effectRef>
+          <a:fontRef idx="minor">
+            <a:schemeClr val="tx1"/>
+          </a:fontRef>
+        </p:style>
+      </p:cxnSp>
+      <p:sp>
+        <p:nvSpPr>
+          <p:cNvPr id="63" name="圆角矩形 62"/>
+          <p:cNvSpPr/>
+          <p:nvPr/>
+        </p:nvSpPr>
+        <p:spPr>
+          <a:xfrm>
+            <a:off x="9717098" y="5309412"/>
+            <a:ext cx="3239247" cy="382016"/>
+          </a:xfrm>
+          <a:prstGeom prst="roundRect">
+            <a:avLst/>
+          </a:prstGeom>
+          <a:solidFill>
+            <a:schemeClr val="accent6">
+              <a:lumMod val="50000"/>
+            </a:schemeClr>
+          </a:solidFill>
+          <a:ln>
+            <a:noFill/>
+          </a:ln>
+        </p:spPr>
+        <p:style>
+          <a:lnRef idx="2">
+            <a:schemeClr val="accent1">
+              <a:shade val="50000"/>
+            </a:schemeClr>
+          </a:lnRef>
+          <a:fillRef idx="1">
+            <a:schemeClr val="accent1"/>
+          </a:fillRef>
+          <a:effectRef idx="0">
+            <a:schemeClr val="accent1"/>
+          </a:effectRef>
+          <a:fontRef idx="minor">
+            <a:schemeClr val="lt1"/>
+          </a:fontRef>
+        </p:style>
+        <p:txBody>
+          <a:bodyPr rtlCol="0" anchor="ctr"/>
+          <a:lstStyle/>
+          <a:p>
+            <a:pPr algn="ctr"/>
+            <a:r>
+              <a:rPr lang="en-US" altLang="zh-CN" dirty="0" err="1"/>
+              <a:t>GameNettyUdpServerService</a:t>
+            </a:r>
+            <a:endParaRPr lang="zh-CN" altLang="en-US" dirty="0"/>
+          </a:p>
+        </p:txBody>
+      </p:sp>
+      <p:cxnSp>
+        <p:nvCxnSpPr>
+          <p:cNvPr id="65" name="肘形连接符 64"/>
+          <p:cNvCxnSpPr>
+            <a:stCxn id="63" idx="0"/>
+            <a:endCxn id="21" idx="2"/>
+          </p:cNvCxnSpPr>
+          <p:nvPr/>
+        </p:nvCxnSpPr>
+        <p:spPr>
+          <a:xfrm rot="5400000" flipH="1" flipV="1">
+            <a:off x="11123475" y="4944673"/>
+            <a:ext cx="577986" cy="151492"/>
+          </a:xfrm>
+          <a:prstGeom prst="bentConnector3">
+            <a:avLst/>
+          </a:prstGeom>
+          <a:ln w="38100">
+            <a:solidFill>
+              <a:schemeClr val="accent2">
+                <a:lumMod val="50000"/>
+              </a:schemeClr>
+            </a:solidFill>
+            <a:tailEnd type="triangle"/>
+          </a:ln>
+        </p:spPr>
+        <p:style>
+          <a:lnRef idx="1">
+            <a:schemeClr val="accent1"/>
+          </a:lnRef>
+          <a:fillRef idx="0">
+            <a:schemeClr val="accent1"/>
+          </a:fillRef>
+          <a:effectRef idx="0">
+            <a:schemeClr val="accent1"/>
+          </a:effectRef>
+          <a:fontRef idx="minor">
+            <a:schemeClr val="tx1"/>
+          </a:fontRef>
+        </p:style>
+      </p:cxnSp>
+      <p:sp>
+        <p:nvSpPr>
+          <p:cNvPr id="66" name="圆角矩形 65"/>
+          <p:cNvSpPr/>
+          <p:nvPr/>
+        </p:nvSpPr>
+        <p:spPr>
+          <a:xfrm>
+            <a:off x="13509940" y="5350234"/>
+            <a:ext cx="3652645" cy="341194"/>
+          </a:xfrm>
+          <a:prstGeom prst="roundRect">
+            <a:avLst/>
+          </a:prstGeom>
+          <a:solidFill>
+            <a:schemeClr val="accent6">
+              <a:lumMod val="50000"/>
+            </a:schemeClr>
+          </a:solidFill>
+          <a:ln>
+            <a:noFill/>
+          </a:ln>
+        </p:spPr>
+        <p:style>
+          <a:lnRef idx="2">
+            <a:schemeClr val="accent1">
+              <a:shade val="50000"/>
+            </a:schemeClr>
+          </a:lnRef>
+          <a:fillRef idx="1">
+            <a:schemeClr val="accent1"/>
+          </a:fillRef>
+          <a:effectRef idx="0">
+            <a:schemeClr val="accent1"/>
+          </a:effectRef>
+          <a:fontRef idx="minor">
+            <a:schemeClr val="lt1"/>
+          </a:fontRef>
+        </p:style>
+        <p:txBody>
+          <a:bodyPr rtlCol="0" anchor="ctr"/>
+          <a:lstStyle/>
+          <a:p>
+            <a:pPr algn="ctr"/>
+            <a:r>
+              <a:rPr lang="en-US" altLang="zh-CN" dirty="0" err="1"/>
+              <a:t>GameNettyWebSocketServerService</a:t>
+            </a:r>
+            <a:endParaRPr lang="zh-CN" altLang="en-US" dirty="0"/>
+          </a:p>
+        </p:txBody>
+      </p:sp>
+      <p:cxnSp>
+        <p:nvCxnSpPr>
+          <p:cNvPr id="68" name="肘形连接符 67"/>
+          <p:cNvCxnSpPr>
+            <a:stCxn id="66" idx="0"/>
+            <a:endCxn id="23" idx="2"/>
+          </p:cNvCxnSpPr>
+          <p:nvPr/>
+        </p:nvCxnSpPr>
+        <p:spPr>
+          <a:xfrm rot="5400000" flipH="1" flipV="1">
+            <a:off x="15065545" y="5002144"/>
+            <a:ext cx="618808" cy="77372"/>
+          </a:xfrm>
+          <a:prstGeom prst="bentConnector3">
+            <a:avLst/>
+          </a:prstGeom>
+          <a:ln w="38100">
+            <a:solidFill>
+              <a:schemeClr val="accent2">
+                <a:lumMod val="50000"/>
+              </a:schemeClr>
+            </a:solidFill>
             <a:tailEnd type="triangle"/>
           </a:ln>
         </p:spPr>
@@ -4287,6 +4992,2933 @@
     <p:extLst>
       <p:ext uri="{BB962C8B-B14F-4D97-AF65-F5344CB8AC3E}">
         <p14:creationId xmlns:p14="http://schemas.microsoft.com/office/powerpoint/2010/main" val="26217575"/>
+      </p:ext>
+    </p:extLst>
+  </p:cSld>
+  <p:clrMapOvr>
+    <a:masterClrMapping/>
+  </p:clrMapOvr>
+</p:sld>
+</file>
+
+<file path=ppt/slides/slide5.xml><?xml version="1.0" encoding="utf-8"?>
+<p:sld xmlns:a="http://schemas.openxmlformats.org/drawingml/2006/main" xmlns:r="http://schemas.openxmlformats.org/officeDocument/2006/relationships" xmlns:p="http://schemas.openxmlformats.org/presentationml/2006/main">
+  <p:cSld>
+    <p:spTree>
+      <p:nvGrpSpPr>
+        <p:cNvPr id="1" name=""/>
+        <p:cNvGrpSpPr/>
+        <p:nvPr/>
+      </p:nvGrpSpPr>
+      <p:grpSpPr>
+        <a:xfrm>
+          <a:off x="0" y="0"/>
+          <a:ext cx="0" cy="0"/>
+          <a:chOff x="0" y="0"/>
+          <a:chExt cx="0" cy="0"/>
+        </a:xfrm>
+      </p:grpSpPr>
+      <p:sp>
+        <p:nvSpPr>
+          <p:cNvPr id="2" name="标题 1"/>
+          <p:cNvSpPr>
+            <a:spLocks noGrp="1"/>
+          </p:cNvSpPr>
+          <p:nvPr>
+            <p:ph type="title"/>
+          </p:nvPr>
+        </p:nvSpPr>
+        <p:spPr/>
+        <p:txBody>
+          <a:bodyPr/>
+          <a:lstStyle/>
+          <a:p>
+            <a:r>
+              <a:rPr lang="en-US" altLang="zh-CN" dirty="0" err="1"/>
+              <a:t>GameServer</a:t>
+            </a:r>
+            <a:endParaRPr lang="zh-CN" altLang="en-US" dirty="0"/>
+          </a:p>
+        </p:txBody>
+      </p:sp>
+      <p:sp>
+        <p:nvSpPr>
+          <p:cNvPr id="4" name="圆角矩形 3"/>
+          <p:cNvSpPr/>
+          <p:nvPr/>
+        </p:nvSpPr>
+        <p:spPr>
+          <a:xfrm>
+            <a:off x="-1012735" y="3511990"/>
+            <a:ext cx="2688609" cy="382137"/>
+          </a:xfrm>
+          <a:prstGeom prst="roundRect">
+            <a:avLst/>
+          </a:prstGeom>
+          <a:solidFill>
+            <a:srgbClr val="002060"/>
+          </a:solidFill>
+          <a:ln>
+            <a:noFill/>
+          </a:ln>
+        </p:spPr>
+        <p:style>
+          <a:lnRef idx="2">
+            <a:schemeClr val="accent1">
+              <a:shade val="50000"/>
+            </a:schemeClr>
+          </a:lnRef>
+          <a:fillRef idx="1">
+            <a:schemeClr val="accent1"/>
+          </a:fillRef>
+          <a:effectRef idx="0">
+            <a:schemeClr val="accent1"/>
+          </a:effectRef>
+          <a:fontRef idx="minor">
+            <a:schemeClr val="lt1"/>
+          </a:fontRef>
+        </p:style>
+        <p:txBody>
+          <a:bodyPr rtlCol="0" anchor="ctr"/>
+          <a:lstStyle/>
+          <a:p>
+            <a:pPr algn="ctr"/>
+            <a:r>
+              <a:rPr lang="en-US" altLang="zh-CN" dirty="0" err="1" smtClean="0"/>
+              <a:t>GameServer</a:t>
+            </a:r>
+            <a:endParaRPr lang="zh-CN" altLang="en-US" dirty="0"/>
+          </a:p>
+        </p:txBody>
+      </p:sp>
+      <p:sp>
+        <p:nvSpPr>
+          <p:cNvPr id="5" name="圆角矩形 4"/>
+          <p:cNvSpPr/>
+          <p:nvPr/>
+        </p:nvSpPr>
+        <p:spPr>
+          <a:xfrm>
+            <a:off x="2551294" y="1337529"/>
+            <a:ext cx="3384645" cy="341194"/>
+          </a:xfrm>
+          <a:prstGeom prst="roundRect">
+            <a:avLst/>
+          </a:prstGeom>
+          <a:solidFill>
+            <a:schemeClr val="accent6">
+              <a:lumMod val="50000"/>
+            </a:schemeClr>
+          </a:solidFill>
+          <a:ln>
+            <a:noFill/>
+          </a:ln>
+        </p:spPr>
+        <p:style>
+          <a:lnRef idx="2">
+            <a:schemeClr val="accent1">
+              <a:shade val="50000"/>
+            </a:schemeClr>
+          </a:lnRef>
+          <a:fillRef idx="1">
+            <a:schemeClr val="accent1"/>
+          </a:fillRef>
+          <a:effectRef idx="0">
+            <a:schemeClr val="accent1"/>
+          </a:effectRef>
+          <a:fontRef idx="minor">
+            <a:schemeClr val="lt1"/>
+          </a:fontRef>
+        </p:style>
+        <p:txBody>
+          <a:bodyPr rtlCol="0" anchor="ctr"/>
+          <a:lstStyle/>
+          <a:p>
+            <a:pPr algn="ctr"/>
+            <a:r>
+              <a:rPr lang="en-US" altLang="zh-CN" dirty="0" err="1"/>
+              <a:t>GlobalManager</a:t>
+            </a:r>
+            <a:endParaRPr lang="zh-CN" altLang="en-US" dirty="0"/>
+          </a:p>
+        </p:txBody>
+      </p:sp>
+      <p:sp>
+        <p:nvSpPr>
+          <p:cNvPr id="6" name="圆角矩形 5"/>
+          <p:cNvSpPr/>
+          <p:nvPr/>
+        </p:nvSpPr>
+        <p:spPr>
+          <a:xfrm>
+            <a:off x="2551293" y="3899317"/>
+            <a:ext cx="3384645" cy="341194"/>
+          </a:xfrm>
+          <a:prstGeom prst="roundRect">
+            <a:avLst/>
+          </a:prstGeom>
+          <a:solidFill>
+            <a:schemeClr val="accent6">
+              <a:lumMod val="50000"/>
+            </a:schemeClr>
+          </a:solidFill>
+          <a:ln>
+            <a:noFill/>
+          </a:ln>
+        </p:spPr>
+        <p:style>
+          <a:lnRef idx="2">
+            <a:schemeClr val="accent1">
+              <a:shade val="50000"/>
+            </a:schemeClr>
+          </a:lnRef>
+          <a:fillRef idx="1">
+            <a:schemeClr val="accent1"/>
+          </a:fillRef>
+          <a:effectRef idx="0">
+            <a:schemeClr val="accent1"/>
+          </a:effectRef>
+          <a:fontRef idx="minor">
+            <a:schemeClr val="lt1"/>
+          </a:fontRef>
+        </p:style>
+        <p:txBody>
+          <a:bodyPr rtlCol="0" anchor="ctr"/>
+          <a:lstStyle/>
+          <a:p>
+            <a:pPr algn="ctr"/>
+            <a:r>
+              <a:rPr lang="en-US" altLang="zh-CN" dirty="0" err="1"/>
+              <a:t>LocalNetService</a:t>
+            </a:r>
+            <a:endParaRPr lang="zh-CN" altLang="en-US" dirty="0"/>
+          </a:p>
+        </p:txBody>
+      </p:sp>
+      <p:sp>
+        <p:nvSpPr>
+          <p:cNvPr id="7" name="圆角矩形 6"/>
+          <p:cNvSpPr/>
+          <p:nvPr/>
+        </p:nvSpPr>
+        <p:spPr>
+          <a:xfrm>
+            <a:off x="6838966" y="569889"/>
+            <a:ext cx="3384645" cy="341194"/>
+          </a:xfrm>
+          <a:prstGeom prst="roundRect">
+            <a:avLst/>
+          </a:prstGeom>
+          <a:solidFill>
+            <a:schemeClr val="accent6">
+              <a:lumMod val="50000"/>
+            </a:schemeClr>
+          </a:solidFill>
+          <a:ln>
+            <a:noFill/>
+          </a:ln>
+        </p:spPr>
+        <p:style>
+          <a:lnRef idx="2">
+            <a:schemeClr val="accent1">
+              <a:shade val="50000"/>
+            </a:schemeClr>
+          </a:lnRef>
+          <a:fillRef idx="1">
+            <a:schemeClr val="accent1"/>
+          </a:fillRef>
+          <a:effectRef idx="0">
+            <a:schemeClr val="accent1"/>
+          </a:effectRef>
+          <a:fontRef idx="minor">
+            <a:schemeClr val="lt1"/>
+          </a:fontRef>
+        </p:style>
+        <p:txBody>
+          <a:bodyPr rtlCol="0" anchor="ctr"/>
+          <a:lstStyle/>
+          <a:p>
+            <a:pPr algn="ctr"/>
+            <a:r>
+              <a:rPr lang="en-US" altLang="zh-CN" dirty="0" err="1"/>
+              <a:t>LocalSpringBeanManager</a:t>
+            </a:r>
+            <a:endParaRPr lang="zh-CN" altLang="en-US" dirty="0"/>
+          </a:p>
+        </p:txBody>
+      </p:sp>
+      <p:sp>
+        <p:nvSpPr>
+          <p:cNvPr id="8" name="圆角矩形 7"/>
+          <p:cNvSpPr/>
+          <p:nvPr/>
+        </p:nvSpPr>
+        <p:spPr>
+          <a:xfrm>
+            <a:off x="6838966" y="1127812"/>
+            <a:ext cx="3384645" cy="341194"/>
+          </a:xfrm>
+          <a:prstGeom prst="roundRect">
+            <a:avLst/>
+          </a:prstGeom>
+          <a:solidFill>
+            <a:schemeClr val="accent6">
+              <a:lumMod val="50000"/>
+            </a:schemeClr>
+          </a:solidFill>
+          <a:ln>
+            <a:noFill/>
+          </a:ln>
+        </p:spPr>
+        <p:style>
+          <a:lnRef idx="2">
+            <a:schemeClr val="accent1">
+              <a:shade val="50000"/>
+            </a:schemeClr>
+          </a:lnRef>
+          <a:fillRef idx="1">
+            <a:schemeClr val="accent1"/>
+          </a:fillRef>
+          <a:effectRef idx="0">
+            <a:schemeClr val="accent1"/>
+          </a:effectRef>
+          <a:fontRef idx="minor">
+            <a:schemeClr val="lt1"/>
+          </a:fontRef>
+        </p:style>
+        <p:txBody>
+          <a:bodyPr rtlCol="0" anchor="ctr"/>
+          <a:lstStyle/>
+          <a:p>
+            <a:pPr algn="ctr"/>
+            <a:r>
+              <a:rPr lang="en-US" altLang="zh-CN" dirty="0" err="1"/>
+              <a:t>LocalSpringServiceManager</a:t>
+            </a:r>
+            <a:endParaRPr lang="zh-CN" altLang="en-US" dirty="0"/>
+          </a:p>
+        </p:txBody>
+      </p:sp>
+      <p:sp>
+        <p:nvSpPr>
+          <p:cNvPr id="9" name="圆角矩形 8"/>
+          <p:cNvSpPr/>
+          <p:nvPr/>
+        </p:nvSpPr>
+        <p:spPr>
+          <a:xfrm>
+            <a:off x="6838965" y="1675068"/>
+            <a:ext cx="3384645" cy="341194"/>
+          </a:xfrm>
+          <a:prstGeom prst="roundRect">
+            <a:avLst/>
+          </a:prstGeom>
+          <a:solidFill>
+            <a:schemeClr val="accent6">
+              <a:lumMod val="50000"/>
+            </a:schemeClr>
+          </a:solidFill>
+          <a:ln>
+            <a:noFill/>
+          </a:ln>
+        </p:spPr>
+        <p:style>
+          <a:lnRef idx="2">
+            <a:schemeClr val="accent1">
+              <a:shade val="50000"/>
+            </a:schemeClr>
+          </a:lnRef>
+          <a:fillRef idx="1">
+            <a:schemeClr val="accent1"/>
+          </a:fillRef>
+          <a:effectRef idx="0">
+            <a:schemeClr val="accent1"/>
+          </a:effectRef>
+          <a:fontRef idx="minor">
+            <a:schemeClr val="lt1"/>
+          </a:fontRef>
+        </p:style>
+        <p:txBody>
+          <a:bodyPr rtlCol="0" anchor="ctr"/>
+          <a:lstStyle/>
+          <a:p>
+            <a:pPr algn="ctr"/>
+            <a:r>
+              <a:rPr lang="en-US" altLang="zh-CN" dirty="0" err="1"/>
+              <a:t>LocalSpringServicerAfterManager</a:t>
+            </a:r>
+            <a:endParaRPr lang="zh-CN" altLang="en-US" dirty="0"/>
+          </a:p>
+        </p:txBody>
+      </p:sp>
+      <p:sp>
+        <p:nvSpPr>
+          <p:cNvPr id="11" name="圆角矩形 10"/>
+          <p:cNvSpPr/>
+          <p:nvPr/>
+        </p:nvSpPr>
+        <p:spPr>
+          <a:xfrm>
+            <a:off x="6838964" y="2248180"/>
+            <a:ext cx="3384645" cy="341194"/>
+          </a:xfrm>
+          <a:prstGeom prst="roundRect">
+            <a:avLst/>
+          </a:prstGeom>
+          <a:solidFill>
+            <a:schemeClr val="accent6">
+              <a:lumMod val="50000"/>
+            </a:schemeClr>
+          </a:solidFill>
+          <a:ln>
+            <a:noFill/>
+          </a:ln>
+        </p:spPr>
+        <p:style>
+          <a:lnRef idx="2">
+            <a:schemeClr val="accent1">
+              <a:shade val="50000"/>
+            </a:schemeClr>
+          </a:lnRef>
+          <a:fillRef idx="1">
+            <a:schemeClr val="accent1"/>
+          </a:fillRef>
+          <a:effectRef idx="0">
+            <a:schemeClr val="accent1"/>
+          </a:effectRef>
+          <a:fontRef idx="minor">
+            <a:schemeClr val="lt1"/>
+          </a:fontRef>
+        </p:style>
+        <p:txBody>
+          <a:bodyPr rtlCol="0" anchor="ctr"/>
+          <a:lstStyle/>
+          <a:p>
+            <a:pPr algn="ctr"/>
+            <a:r>
+              <a:rPr lang="en-US" altLang="zh-CN" dirty="0" err="1"/>
+              <a:t>LocalMananger</a:t>
+            </a:r>
+            <a:endParaRPr lang="zh-CN" altLang="en-US" dirty="0"/>
+          </a:p>
+        </p:txBody>
+      </p:sp>
+      <p:sp>
+        <p:nvSpPr>
+          <p:cNvPr id="12" name="圆角矩形 11"/>
+          <p:cNvSpPr/>
+          <p:nvPr/>
+        </p:nvSpPr>
+        <p:spPr>
+          <a:xfrm>
+            <a:off x="6838964" y="2756316"/>
+            <a:ext cx="3384645" cy="341194"/>
+          </a:xfrm>
+          <a:prstGeom prst="roundRect">
+            <a:avLst/>
+          </a:prstGeom>
+          <a:solidFill>
+            <a:schemeClr val="accent6">
+              <a:lumMod val="50000"/>
+            </a:schemeClr>
+          </a:solidFill>
+          <a:ln>
+            <a:noFill/>
+          </a:ln>
+        </p:spPr>
+        <p:style>
+          <a:lnRef idx="2">
+            <a:schemeClr val="accent1">
+              <a:shade val="50000"/>
+            </a:schemeClr>
+          </a:lnRef>
+          <a:fillRef idx="1">
+            <a:schemeClr val="accent1"/>
+          </a:fillRef>
+          <a:effectRef idx="0">
+            <a:schemeClr val="accent1"/>
+          </a:effectRef>
+          <a:fontRef idx="minor">
+            <a:schemeClr val="lt1"/>
+          </a:fontRef>
+        </p:style>
+        <p:txBody>
+          <a:bodyPr rtlCol="0" anchor="ctr"/>
+          <a:lstStyle/>
+          <a:p>
+            <a:pPr algn="ctr"/>
+            <a:r>
+              <a:rPr lang="en-US" altLang="zh-CN" dirty="0" err="1"/>
+              <a:t>GameManager</a:t>
+            </a:r>
+            <a:endParaRPr lang="zh-CN" altLang="en-US" dirty="0"/>
+          </a:p>
+        </p:txBody>
+      </p:sp>
+      <p:cxnSp>
+        <p:nvCxnSpPr>
+          <p:cNvPr id="14" name="肘形连接符 13"/>
+          <p:cNvCxnSpPr>
+            <a:stCxn id="5" idx="3"/>
+            <a:endCxn id="7" idx="1"/>
+          </p:cNvCxnSpPr>
+          <p:nvPr/>
+        </p:nvCxnSpPr>
+        <p:spPr>
+          <a:xfrm flipV="1">
+            <a:off x="5935939" y="740486"/>
+            <a:ext cx="903027" cy="767640"/>
+          </a:xfrm>
+          <a:prstGeom prst="bentConnector3">
+            <a:avLst/>
+          </a:prstGeom>
+          <a:ln w="38100">
+            <a:solidFill>
+              <a:schemeClr val="accent2">
+                <a:lumMod val="50000"/>
+              </a:schemeClr>
+            </a:solidFill>
+            <a:tailEnd type="triangle"/>
+          </a:ln>
+        </p:spPr>
+        <p:style>
+          <a:lnRef idx="1">
+            <a:schemeClr val="accent1"/>
+          </a:lnRef>
+          <a:fillRef idx="0">
+            <a:schemeClr val="accent1"/>
+          </a:fillRef>
+          <a:effectRef idx="0">
+            <a:schemeClr val="accent1"/>
+          </a:effectRef>
+          <a:fontRef idx="minor">
+            <a:schemeClr val="tx1"/>
+          </a:fontRef>
+        </p:style>
+      </p:cxnSp>
+      <p:cxnSp>
+        <p:nvCxnSpPr>
+          <p:cNvPr id="16" name="肘形连接符 15"/>
+          <p:cNvCxnSpPr>
+            <a:endCxn id="8" idx="1"/>
+          </p:cNvCxnSpPr>
+          <p:nvPr/>
+        </p:nvCxnSpPr>
+        <p:spPr>
+          <a:xfrm flipV="1">
+            <a:off x="5935939" y="1298409"/>
+            <a:ext cx="903027" cy="209717"/>
+          </a:xfrm>
+          <a:prstGeom prst="bentConnector3">
+            <a:avLst/>
+          </a:prstGeom>
+          <a:ln w="38100">
+            <a:solidFill>
+              <a:schemeClr val="accent2">
+                <a:lumMod val="50000"/>
+              </a:schemeClr>
+            </a:solidFill>
+            <a:tailEnd type="triangle"/>
+          </a:ln>
+        </p:spPr>
+        <p:style>
+          <a:lnRef idx="1">
+            <a:schemeClr val="accent1"/>
+          </a:lnRef>
+          <a:fillRef idx="0">
+            <a:schemeClr val="accent1"/>
+          </a:fillRef>
+          <a:effectRef idx="0">
+            <a:schemeClr val="accent1"/>
+          </a:effectRef>
+          <a:fontRef idx="minor">
+            <a:schemeClr val="tx1"/>
+          </a:fontRef>
+        </p:style>
+      </p:cxnSp>
+      <p:cxnSp>
+        <p:nvCxnSpPr>
+          <p:cNvPr id="18" name="肘形连接符 17"/>
+          <p:cNvCxnSpPr>
+            <a:endCxn id="9" idx="1"/>
+          </p:cNvCxnSpPr>
+          <p:nvPr/>
+        </p:nvCxnSpPr>
+        <p:spPr>
+          <a:xfrm>
+            <a:off x="5935939" y="1519226"/>
+            <a:ext cx="903026" cy="326439"/>
+          </a:xfrm>
+          <a:prstGeom prst="bentConnector3">
+            <a:avLst/>
+          </a:prstGeom>
+          <a:ln w="38100">
+            <a:solidFill>
+              <a:schemeClr val="accent2">
+                <a:lumMod val="50000"/>
+              </a:schemeClr>
+            </a:solidFill>
+            <a:tailEnd type="triangle"/>
+          </a:ln>
+        </p:spPr>
+        <p:style>
+          <a:lnRef idx="1">
+            <a:schemeClr val="accent1"/>
+          </a:lnRef>
+          <a:fillRef idx="0">
+            <a:schemeClr val="accent1"/>
+          </a:fillRef>
+          <a:effectRef idx="0">
+            <a:schemeClr val="accent1"/>
+          </a:effectRef>
+          <a:fontRef idx="minor">
+            <a:schemeClr val="tx1"/>
+          </a:fontRef>
+        </p:style>
+      </p:cxnSp>
+      <p:cxnSp>
+        <p:nvCxnSpPr>
+          <p:cNvPr id="20" name="肘形连接符 19"/>
+          <p:cNvCxnSpPr>
+            <a:stCxn id="5" idx="3"/>
+            <a:endCxn id="11" idx="1"/>
+          </p:cNvCxnSpPr>
+          <p:nvPr/>
+        </p:nvCxnSpPr>
+        <p:spPr>
+          <a:xfrm>
+            <a:off x="5935939" y="1508126"/>
+            <a:ext cx="903025" cy="910651"/>
+          </a:xfrm>
+          <a:prstGeom prst="bentConnector3">
+            <a:avLst/>
+          </a:prstGeom>
+          <a:ln w="38100">
+            <a:solidFill>
+              <a:schemeClr val="accent2">
+                <a:lumMod val="50000"/>
+              </a:schemeClr>
+            </a:solidFill>
+            <a:tailEnd type="triangle"/>
+          </a:ln>
+        </p:spPr>
+        <p:style>
+          <a:lnRef idx="1">
+            <a:schemeClr val="accent1"/>
+          </a:lnRef>
+          <a:fillRef idx="0">
+            <a:schemeClr val="accent1"/>
+          </a:fillRef>
+          <a:effectRef idx="0">
+            <a:schemeClr val="accent1"/>
+          </a:effectRef>
+          <a:fontRef idx="minor">
+            <a:schemeClr val="tx1"/>
+          </a:fontRef>
+        </p:style>
+      </p:cxnSp>
+      <p:cxnSp>
+        <p:nvCxnSpPr>
+          <p:cNvPr id="23" name="肘形连接符 22"/>
+          <p:cNvCxnSpPr>
+            <a:stCxn id="5" idx="3"/>
+            <a:endCxn id="12" idx="1"/>
+          </p:cNvCxnSpPr>
+          <p:nvPr/>
+        </p:nvCxnSpPr>
+        <p:spPr>
+          <a:xfrm>
+            <a:off x="5935939" y="1508126"/>
+            <a:ext cx="903025" cy="1418787"/>
+          </a:xfrm>
+          <a:prstGeom prst="bentConnector3">
+            <a:avLst/>
+          </a:prstGeom>
+          <a:ln w="38100">
+            <a:solidFill>
+              <a:schemeClr val="accent2">
+                <a:lumMod val="50000"/>
+              </a:schemeClr>
+            </a:solidFill>
+            <a:tailEnd type="triangle"/>
+          </a:ln>
+        </p:spPr>
+        <p:style>
+          <a:lnRef idx="1">
+            <a:schemeClr val="accent1"/>
+          </a:lnRef>
+          <a:fillRef idx="0">
+            <a:schemeClr val="accent1"/>
+          </a:fillRef>
+          <a:effectRef idx="0">
+            <a:schemeClr val="accent1"/>
+          </a:effectRef>
+          <a:fontRef idx="minor">
+            <a:schemeClr val="tx1"/>
+          </a:fontRef>
+        </p:style>
+      </p:cxnSp>
+      <p:cxnSp>
+        <p:nvCxnSpPr>
+          <p:cNvPr id="25" name="肘形连接符 24"/>
+          <p:cNvCxnSpPr>
+            <a:stCxn id="4" idx="3"/>
+            <a:endCxn id="5" idx="1"/>
+          </p:cNvCxnSpPr>
+          <p:nvPr/>
+        </p:nvCxnSpPr>
+        <p:spPr>
+          <a:xfrm flipV="1">
+            <a:off x="1675874" y="1508126"/>
+            <a:ext cx="875420" cy="2194933"/>
+          </a:xfrm>
+          <a:prstGeom prst="bentConnector3">
+            <a:avLst/>
+          </a:prstGeom>
+          <a:ln w="38100">
+            <a:solidFill>
+              <a:schemeClr val="accent2">
+                <a:lumMod val="50000"/>
+              </a:schemeClr>
+            </a:solidFill>
+            <a:tailEnd type="triangle"/>
+          </a:ln>
+        </p:spPr>
+        <p:style>
+          <a:lnRef idx="1">
+            <a:schemeClr val="accent1"/>
+          </a:lnRef>
+          <a:fillRef idx="0">
+            <a:schemeClr val="accent1"/>
+          </a:fillRef>
+          <a:effectRef idx="0">
+            <a:schemeClr val="accent1"/>
+          </a:effectRef>
+          <a:fontRef idx="minor">
+            <a:schemeClr val="tx1"/>
+          </a:fontRef>
+        </p:style>
+      </p:cxnSp>
+      <p:cxnSp>
+        <p:nvCxnSpPr>
+          <p:cNvPr id="27" name="肘形连接符 26"/>
+          <p:cNvCxnSpPr>
+            <a:stCxn id="4" idx="3"/>
+            <a:endCxn id="6" idx="1"/>
+          </p:cNvCxnSpPr>
+          <p:nvPr/>
+        </p:nvCxnSpPr>
+        <p:spPr>
+          <a:xfrm>
+            <a:off x="1675874" y="3703059"/>
+            <a:ext cx="875419" cy="366855"/>
+          </a:xfrm>
+          <a:prstGeom prst="bentConnector3">
+            <a:avLst/>
+          </a:prstGeom>
+          <a:ln w="38100">
+            <a:solidFill>
+              <a:schemeClr val="accent2">
+                <a:lumMod val="50000"/>
+              </a:schemeClr>
+            </a:solidFill>
+            <a:tailEnd type="triangle"/>
+          </a:ln>
+        </p:spPr>
+        <p:style>
+          <a:lnRef idx="1">
+            <a:schemeClr val="accent1"/>
+          </a:lnRef>
+          <a:fillRef idx="0">
+            <a:schemeClr val="accent1"/>
+          </a:fillRef>
+          <a:effectRef idx="0">
+            <a:schemeClr val="accent1"/>
+          </a:effectRef>
+          <a:fontRef idx="minor">
+            <a:schemeClr val="tx1"/>
+          </a:fontRef>
+        </p:style>
+      </p:cxnSp>
+      <p:sp>
+        <p:nvSpPr>
+          <p:cNvPr id="30" name="圆角矩形 29"/>
+          <p:cNvSpPr/>
+          <p:nvPr/>
+        </p:nvSpPr>
+        <p:spPr>
+          <a:xfrm>
+            <a:off x="-530828" y="5212915"/>
+            <a:ext cx="3384645" cy="341194"/>
+          </a:xfrm>
+          <a:prstGeom prst="roundRect">
+            <a:avLst/>
+          </a:prstGeom>
+          <a:solidFill>
+            <a:schemeClr val="accent6">
+              <a:lumMod val="50000"/>
+            </a:schemeClr>
+          </a:solidFill>
+          <a:ln>
+            <a:noFill/>
+          </a:ln>
+        </p:spPr>
+        <p:style>
+          <a:lnRef idx="2">
+            <a:schemeClr val="accent1">
+              <a:shade val="50000"/>
+            </a:schemeClr>
+          </a:lnRef>
+          <a:fillRef idx="1">
+            <a:schemeClr val="accent1"/>
+          </a:fillRef>
+          <a:effectRef idx="0">
+            <a:schemeClr val="accent1"/>
+          </a:effectRef>
+          <a:fontRef idx="minor">
+            <a:schemeClr val="lt1"/>
+          </a:fontRef>
+        </p:style>
+        <p:txBody>
+          <a:bodyPr rtlCol="0" anchor="ctr"/>
+          <a:lstStyle/>
+          <a:p>
+            <a:pPr algn="ctr"/>
+            <a:r>
+              <a:rPr lang="en-US" altLang="zh-CN" dirty="0" err="1"/>
+              <a:t>GameNettyTcpServerService</a:t>
+            </a:r>
+            <a:endParaRPr lang="zh-CN" altLang="en-US" dirty="0"/>
+          </a:p>
+        </p:txBody>
+      </p:sp>
+      <p:sp>
+        <p:nvSpPr>
+          <p:cNvPr id="31" name="圆角矩形 30"/>
+          <p:cNvSpPr/>
+          <p:nvPr/>
+        </p:nvSpPr>
+        <p:spPr>
+          <a:xfrm>
+            <a:off x="-530828" y="5744605"/>
+            <a:ext cx="3384645" cy="341194"/>
+          </a:xfrm>
+          <a:prstGeom prst="roundRect">
+            <a:avLst/>
+          </a:prstGeom>
+          <a:solidFill>
+            <a:schemeClr val="accent6">
+              <a:lumMod val="50000"/>
+            </a:schemeClr>
+          </a:solidFill>
+          <a:ln>
+            <a:noFill/>
+          </a:ln>
+        </p:spPr>
+        <p:style>
+          <a:lnRef idx="2">
+            <a:schemeClr val="accent1">
+              <a:shade val="50000"/>
+            </a:schemeClr>
+          </a:lnRef>
+          <a:fillRef idx="1">
+            <a:schemeClr val="accent1"/>
+          </a:fillRef>
+          <a:effectRef idx="0">
+            <a:schemeClr val="accent1"/>
+          </a:effectRef>
+          <a:fontRef idx="minor">
+            <a:schemeClr val="lt1"/>
+          </a:fontRef>
+        </p:style>
+        <p:txBody>
+          <a:bodyPr rtlCol="0" anchor="ctr"/>
+          <a:lstStyle/>
+          <a:p>
+            <a:pPr algn="ctr"/>
+            <a:r>
+              <a:rPr lang="en-US" altLang="zh-CN" dirty="0" err="1"/>
+              <a:t>GameNettyUdpServerService</a:t>
+            </a:r>
+            <a:endParaRPr lang="zh-CN" altLang="en-US" dirty="0"/>
+          </a:p>
+        </p:txBody>
+      </p:sp>
+      <p:sp>
+        <p:nvSpPr>
+          <p:cNvPr id="32" name="圆角矩形 31"/>
+          <p:cNvSpPr/>
+          <p:nvPr/>
+        </p:nvSpPr>
+        <p:spPr>
+          <a:xfrm>
+            <a:off x="-530828" y="6276295"/>
+            <a:ext cx="3384645" cy="341194"/>
+          </a:xfrm>
+          <a:prstGeom prst="roundRect">
+            <a:avLst/>
+          </a:prstGeom>
+          <a:solidFill>
+            <a:schemeClr val="accent6">
+              <a:lumMod val="50000"/>
+            </a:schemeClr>
+          </a:solidFill>
+          <a:ln>
+            <a:noFill/>
+          </a:ln>
+        </p:spPr>
+        <p:style>
+          <a:lnRef idx="2">
+            <a:schemeClr val="accent1">
+              <a:shade val="50000"/>
+            </a:schemeClr>
+          </a:lnRef>
+          <a:fillRef idx="1">
+            <a:schemeClr val="accent1"/>
+          </a:fillRef>
+          <a:effectRef idx="0">
+            <a:schemeClr val="accent1"/>
+          </a:effectRef>
+          <a:fontRef idx="minor">
+            <a:schemeClr val="lt1"/>
+          </a:fontRef>
+        </p:style>
+        <p:txBody>
+          <a:bodyPr rtlCol="0" anchor="ctr"/>
+          <a:lstStyle/>
+          <a:p>
+            <a:pPr algn="ctr"/>
+            <a:r>
+              <a:rPr lang="en-US" altLang="zh-CN" dirty="0" err="1"/>
+              <a:t>GameNettyRPCService</a:t>
+            </a:r>
+            <a:endParaRPr lang="zh-CN" altLang="en-US" dirty="0"/>
+          </a:p>
+        </p:txBody>
+      </p:sp>
+      <p:sp>
+        <p:nvSpPr>
+          <p:cNvPr id="33" name="圆角矩形 32"/>
+          <p:cNvSpPr/>
+          <p:nvPr/>
+        </p:nvSpPr>
+        <p:spPr>
+          <a:xfrm>
+            <a:off x="-530828" y="6807985"/>
+            <a:ext cx="3384645" cy="341194"/>
+          </a:xfrm>
+          <a:prstGeom prst="roundRect">
+            <a:avLst/>
+          </a:prstGeom>
+          <a:solidFill>
+            <a:schemeClr val="accent6">
+              <a:lumMod val="50000"/>
+            </a:schemeClr>
+          </a:solidFill>
+          <a:ln>
+            <a:noFill/>
+          </a:ln>
+        </p:spPr>
+        <p:style>
+          <a:lnRef idx="2">
+            <a:schemeClr val="accent1">
+              <a:shade val="50000"/>
+            </a:schemeClr>
+          </a:lnRef>
+          <a:fillRef idx="1">
+            <a:schemeClr val="accent1"/>
+          </a:fillRef>
+          <a:effectRef idx="0">
+            <a:schemeClr val="accent1"/>
+          </a:effectRef>
+          <a:fontRef idx="minor">
+            <a:schemeClr val="lt1"/>
+          </a:fontRef>
+        </p:style>
+        <p:txBody>
+          <a:bodyPr rtlCol="0" anchor="ctr"/>
+          <a:lstStyle/>
+          <a:p>
+            <a:pPr algn="ctr"/>
+            <a:r>
+              <a:rPr lang="en-US" altLang="zh-CN" dirty="0" err="1"/>
+              <a:t>ProxyTcpServerService</a:t>
+            </a:r>
+            <a:endParaRPr lang="zh-CN" altLang="en-US" dirty="0"/>
+          </a:p>
+        </p:txBody>
+      </p:sp>
+      <p:sp>
+        <p:nvSpPr>
+          <p:cNvPr id="34" name="圆角矩形 33"/>
+          <p:cNvSpPr/>
+          <p:nvPr/>
+        </p:nvSpPr>
+        <p:spPr>
+          <a:xfrm>
+            <a:off x="-530828" y="7339675"/>
+            <a:ext cx="3384645" cy="341194"/>
+          </a:xfrm>
+          <a:prstGeom prst="roundRect">
+            <a:avLst/>
+          </a:prstGeom>
+          <a:solidFill>
+            <a:schemeClr val="accent6">
+              <a:lumMod val="50000"/>
+            </a:schemeClr>
+          </a:solidFill>
+          <a:ln>
+            <a:noFill/>
+          </a:ln>
+        </p:spPr>
+        <p:style>
+          <a:lnRef idx="2">
+            <a:schemeClr val="accent1">
+              <a:shade val="50000"/>
+            </a:schemeClr>
+          </a:lnRef>
+          <a:fillRef idx="1">
+            <a:schemeClr val="accent1"/>
+          </a:fillRef>
+          <a:effectRef idx="0">
+            <a:schemeClr val="accent1"/>
+          </a:effectRef>
+          <a:fontRef idx="minor">
+            <a:schemeClr val="lt1"/>
+          </a:fontRef>
+        </p:style>
+        <p:txBody>
+          <a:bodyPr rtlCol="0" anchor="ctr"/>
+          <a:lstStyle/>
+          <a:p>
+            <a:pPr algn="ctr"/>
+            <a:r>
+              <a:rPr lang="en-US" altLang="zh-CN" dirty="0" err="1"/>
+              <a:t>GameNettyHttpServerService</a:t>
+            </a:r>
+            <a:endParaRPr lang="zh-CN" altLang="en-US" dirty="0"/>
+          </a:p>
+        </p:txBody>
+      </p:sp>
+      <p:sp>
+        <p:nvSpPr>
+          <p:cNvPr id="35" name="圆角矩形 34"/>
+          <p:cNvSpPr/>
+          <p:nvPr/>
+        </p:nvSpPr>
+        <p:spPr>
+          <a:xfrm>
+            <a:off x="-530828" y="7842107"/>
+            <a:ext cx="3587927" cy="341194"/>
+          </a:xfrm>
+          <a:prstGeom prst="roundRect">
+            <a:avLst/>
+          </a:prstGeom>
+          <a:solidFill>
+            <a:schemeClr val="accent6">
+              <a:lumMod val="50000"/>
+            </a:schemeClr>
+          </a:solidFill>
+          <a:ln>
+            <a:noFill/>
+          </a:ln>
+        </p:spPr>
+        <p:style>
+          <a:lnRef idx="2">
+            <a:schemeClr val="accent1">
+              <a:shade val="50000"/>
+            </a:schemeClr>
+          </a:lnRef>
+          <a:fillRef idx="1">
+            <a:schemeClr val="accent1"/>
+          </a:fillRef>
+          <a:effectRef idx="0">
+            <a:schemeClr val="accent1"/>
+          </a:effectRef>
+          <a:fontRef idx="minor">
+            <a:schemeClr val="lt1"/>
+          </a:fontRef>
+        </p:style>
+        <p:txBody>
+          <a:bodyPr rtlCol="0" anchor="ctr"/>
+          <a:lstStyle/>
+          <a:p>
+            <a:pPr algn="ctr"/>
+            <a:r>
+              <a:rPr lang="en-US" altLang="zh-CN" dirty="0" err="1"/>
+              <a:t>GameNettyWebSocketServerService</a:t>
+            </a:r>
+            <a:endParaRPr lang="zh-CN" altLang="en-US" dirty="0"/>
+          </a:p>
+        </p:txBody>
+      </p:sp>
+      <p:cxnSp>
+        <p:nvCxnSpPr>
+          <p:cNvPr id="37" name="肘形连接符 36"/>
+          <p:cNvCxnSpPr>
+            <a:stCxn id="6" idx="2"/>
+            <a:endCxn id="30" idx="0"/>
+          </p:cNvCxnSpPr>
+          <p:nvPr/>
+        </p:nvCxnSpPr>
+        <p:spPr>
+          <a:xfrm rot="5400000">
+            <a:off x="2216354" y="3185653"/>
+            <a:ext cx="972404" cy="3082121"/>
+          </a:xfrm>
+          <a:prstGeom prst="bentConnector3">
+            <a:avLst/>
+          </a:prstGeom>
+          <a:ln w="38100">
+            <a:solidFill>
+              <a:schemeClr val="accent2">
+                <a:lumMod val="50000"/>
+              </a:schemeClr>
+            </a:solidFill>
+            <a:tailEnd type="triangle"/>
+          </a:ln>
+        </p:spPr>
+        <p:style>
+          <a:lnRef idx="1">
+            <a:schemeClr val="accent1"/>
+          </a:lnRef>
+          <a:fillRef idx="0">
+            <a:schemeClr val="accent1"/>
+          </a:fillRef>
+          <a:effectRef idx="0">
+            <a:schemeClr val="accent1"/>
+          </a:effectRef>
+          <a:fontRef idx="minor">
+            <a:schemeClr val="tx1"/>
+          </a:fontRef>
+        </p:style>
+      </p:cxnSp>
+      <p:sp>
+        <p:nvSpPr>
+          <p:cNvPr id="38" name="文本框 37"/>
+          <p:cNvSpPr txBox="1"/>
+          <p:nvPr/>
+        </p:nvSpPr>
+        <p:spPr>
+          <a:xfrm>
+            <a:off x="2361063" y="4449170"/>
+            <a:ext cx="1433015" cy="369332"/>
+          </a:xfrm>
+          <a:prstGeom prst="rect">
+            <a:avLst/>
+          </a:prstGeom>
+          <a:noFill/>
+        </p:spPr>
+        <p:txBody>
+          <a:bodyPr wrap="square" rtlCol="0">
+            <a:spAutoFit/>
+          </a:bodyPr>
+          <a:lstStyle/>
+          <a:p>
+            <a:r>
+              <a:rPr lang="zh-CN" altLang="en-US" dirty="0" smtClean="0"/>
+              <a:t>初始化服务</a:t>
+            </a:r>
+            <a:endParaRPr lang="zh-CN" altLang="en-US" dirty="0"/>
+          </a:p>
+        </p:txBody>
+      </p:sp>
+      <p:sp>
+        <p:nvSpPr>
+          <p:cNvPr id="39" name="圆角矩形 38"/>
+          <p:cNvSpPr/>
+          <p:nvPr/>
+        </p:nvSpPr>
+        <p:spPr>
+          <a:xfrm>
+            <a:off x="4403677" y="5253328"/>
+            <a:ext cx="5040574" cy="341194"/>
+          </a:xfrm>
+          <a:prstGeom prst="roundRect">
+            <a:avLst/>
+          </a:prstGeom>
+          <a:solidFill>
+            <a:schemeClr val="accent6">
+              <a:lumMod val="50000"/>
+            </a:schemeClr>
+          </a:solidFill>
+          <a:ln>
+            <a:noFill/>
+          </a:ln>
+        </p:spPr>
+        <p:style>
+          <a:lnRef idx="2">
+            <a:schemeClr val="accent1">
+              <a:shade val="50000"/>
+            </a:schemeClr>
+          </a:lnRef>
+          <a:fillRef idx="1">
+            <a:schemeClr val="accent1"/>
+          </a:fillRef>
+          <a:effectRef idx="0">
+            <a:schemeClr val="accent1"/>
+          </a:effectRef>
+          <a:fontRef idx="minor">
+            <a:schemeClr val="lt1"/>
+          </a:fontRef>
+        </p:style>
+        <p:txBody>
+          <a:bodyPr rtlCol="0" anchor="ctr"/>
+          <a:lstStyle/>
+          <a:p>
+            <a:pPr algn="ctr"/>
+            <a:r>
+              <a:rPr lang="en-US" altLang="zh-CN" dirty="0" err="1"/>
+              <a:t>GameNetProtoMessageTcpServerChannelInitializer</a:t>
+            </a:r>
+            <a:endParaRPr lang="zh-CN" altLang="en-US" dirty="0"/>
+          </a:p>
+        </p:txBody>
+      </p:sp>
+      <p:sp>
+        <p:nvSpPr>
+          <p:cNvPr id="40" name="圆角矩形 39"/>
+          <p:cNvSpPr/>
+          <p:nvPr/>
+        </p:nvSpPr>
+        <p:spPr>
+          <a:xfrm>
+            <a:off x="4403676" y="5690344"/>
+            <a:ext cx="5040574" cy="341194"/>
+          </a:xfrm>
+          <a:prstGeom prst="roundRect">
+            <a:avLst/>
+          </a:prstGeom>
+          <a:solidFill>
+            <a:schemeClr val="accent6">
+              <a:lumMod val="50000"/>
+            </a:schemeClr>
+          </a:solidFill>
+          <a:ln>
+            <a:noFill/>
+          </a:ln>
+        </p:spPr>
+        <p:style>
+          <a:lnRef idx="2">
+            <a:schemeClr val="accent1">
+              <a:shade val="50000"/>
+            </a:schemeClr>
+          </a:lnRef>
+          <a:fillRef idx="1">
+            <a:schemeClr val="accent1"/>
+          </a:fillRef>
+          <a:effectRef idx="0">
+            <a:schemeClr val="accent1"/>
+          </a:effectRef>
+          <a:fontRef idx="minor">
+            <a:schemeClr val="lt1"/>
+          </a:fontRef>
+        </p:style>
+        <p:txBody>
+          <a:bodyPr rtlCol="0" anchor="ctr"/>
+          <a:lstStyle/>
+          <a:p>
+            <a:pPr algn="ctr"/>
+            <a:r>
+              <a:rPr lang="en-US" altLang="zh-CN" dirty="0" err="1"/>
+              <a:t>GameNetProtoMessageUdpServerChannelInitializer</a:t>
+            </a:r>
+            <a:endParaRPr lang="zh-CN" altLang="en-US" dirty="0"/>
+          </a:p>
+        </p:txBody>
+      </p:sp>
+      <p:sp>
+        <p:nvSpPr>
+          <p:cNvPr id="41" name="圆角矩形 40"/>
+          <p:cNvSpPr/>
+          <p:nvPr/>
+        </p:nvSpPr>
+        <p:spPr>
+          <a:xfrm>
+            <a:off x="4403676" y="6127360"/>
+            <a:ext cx="5040574" cy="341194"/>
+          </a:xfrm>
+          <a:prstGeom prst="roundRect">
+            <a:avLst/>
+          </a:prstGeom>
+          <a:solidFill>
+            <a:schemeClr val="accent6">
+              <a:lumMod val="50000"/>
+            </a:schemeClr>
+          </a:solidFill>
+          <a:ln>
+            <a:noFill/>
+          </a:ln>
+        </p:spPr>
+        <p:style>
+          <a:lnRef idx="2">
+            <a:schemeClr val="accent1">
+              <a:shade val="50000"/>
+            </a:schemeClr>
+          </a:lnRef>
+          <a:fillRef idx="1">
+            <a:schemeClr val="accent1"/>
+          </a:fillRef>
+          <a:effectRef idx="0">
+            <a:schemeClr val="accent1"/>
+          </a:effectRef>
+          <a:fontRef idx="minor">
+            <a:schemeClr val="lt1"/>
+          </a:fontRef>
+        </p:style>
+        <p:txBody>
+          <a:bodyPr rtlCol="0" anchor="ctr"/>
+          <a:lstStyle/>
+          <a:p>
+            <a:pPr algn="ctr"/>
+            <a:r>
+              <a:rPr lang="en-US" altLang="zh-CN" dirty="0" err="1"/>
+              <a:t>GameNetRPCChannleInitializer</a:t>
+            </a:r>
+            <a:endParaRPr lang="zh-CN" altLang="en-US" dirty="0"/>
+          </a:p>
+        </p:txBody>
+      </p:sp>
+      <p:sp>
+        <p:nvSpPr>
+          <p:cNvPr id="42" name="圆角矩形 41"/>
+          <p:cNvSpPr/>
+          <p:nvPr/>
+        </p:nvSpPr>
+        <p:spPr>
+          <a:xfrm>
+            <a:off x="4403676" y="6578741"/>
+            <a:ext cx="5040574" cy="341194"/>
+          </a:xfrm>
+          <a:prstGeom prst="roundRect">
+            <a:avLst/>
+          </a:prstGeom>
+          <a:solidFill>
+            <a:schemeClr val="accent6">
+              <a:lumMod val="50000"/>
+            </a:schemeClr>
+          </a:solidFill>
+          <a:ln>
+            <a:noFill/>
+          </a:ln>
+        </p:spPr>
+        <p:style>
+          <a:lnRef idx="2">
+            <a:schemeClr val="accent1">
+              <a:shade val="50000"/>
+            </a:schemeClr>
+          </a:lnRef>
+          <a:fillRef idx="1">
+            <a:schemeClr val="accent1"/>
+          </a:fillRef>
+          <a:effectRef idx="0">
+            <a:schemeClr val="accent1"/>
+          </a:effectRef>
+          <a:fontRef idx="minor">
+            <a:schemeClr val="lt1"/>
+          </a:fontRef>
+        </p:style>
+        <p:txBody>
+          <a:bodyPr rtlCol="0" anchor="ctr"/>
+          <a:lstStyle/>
+          <a:p>
+            <a:pPr algn="ctr"/>
+            <a:r>
+              <a:rPr lang="en-US" altLang="zh-CN" dirty="0" err="1"/>
+              <a:t>ProxyTcpFrontedChannelInitializer</a:t>
+            </a:r>
+            <a:endParaRPr lang="zh-CN" altLang="en-US" dirty="0"/>
+          </a:p>
+        </p:txBody>
+      </p:sp>
+      <p:sp>
+        <p:nvSpPr>
+          <p:cNvPr id="43" name="圆角矩形 42"/>
+          <p:cNvSpPr/>
+          <p:nvPr/>
+        </p:nvSpPr>
+        <p:spPr>
+          <a:xfrm>
+            <a:off x="4403676" y="7036229"/>
+            <a:ext cx="5190699" cy="341194"/>
+          </a:xfrm>
+          <a:prstGeom prst="roundRect">
+            <a:avLst/>
+          </a:prstGeom>
+          <a:solidFill>
+            <a:schemeClr val="accent6">
+              <a:lumMod val="50000"/>
+            </a:schemeClr>
+          </a:solidFill>
+          <a:ln>
+            <a:noFill/>
+          </a:ln>
+        </p:spPr>
+        <p:style>
+          <a:lnRef idx="2">
+            <a:schemeClr val="accent1">
+              <a:shade val="50000"/>
+            </a:schemeClr>
+          </a:lnRef>
+          <a:fillRef idx="1">
+            <a:schemeClr val="accent1"/>
+          </a:fillRef>
+          <a:effectRef idx="0">
+            <a:schemeClr val="accent1"/>
+          </a:effectRef>
+          <a:fontRef idx="minor">
+            <a:schemeClr val="lt1"/>
+          </a:fontRef>
+        </p:style>
+        <p:txBody>
+          <a:bodyPr rtlCol="0" anchor="ctr"/>
+          <a:lstStyle/>
+          <a:p>
+            <a:pPr algn="ctr"/>
+            <a:r>
+              <a:rPr lang="en-US" altLang="zh-CN" dirty="0" err="1"/>
+              <a:t>GameNetProtoMessageHttpServerChannelInitializer</a:t>
+            </a:r>
+            <a:endParaRPr lang="zh-CN" altLang="en-US" dirty="0"/>
+          </a:p>
+        </p:txBody>
+      </p:sp>
+      <p:sp>
+        <p:nvSpPr>
+          <p:cNvPr id="44" name="圆角矩形 43"/>
+          <p:cNvSpPr/>
+          <p:nvPr/>
+        </p:nvSpPr>
+        <p:spPr>
+          <a:xfrm>
+            <a:off x="4403676" y="7500490"/>
+            <a:ext cx="5819932" cy="341194"/>
+          </a:xfrm>
+          <a:prstGeom prst="roundRect">
+            <a:avLst/>
+          </a:prstGeom>
+          <a:solidFill>
+            <a:schemeClr val="accent6">
+              <a:lumMod val="50000"/>
+            </a:schemeClr>
+          </a:solidFill>
+          <a:ln>
+            <a:noFill/>
+          </a:ln>
+        </p:spPr>
+        <p:style>
+          <a:lnRef idx="2">
+            <a:schemeClr val="accent1">
+              <a:shade val="50000"/>
+            </a:schemeClr>
+          </a:lnRef>
+          <a:fillRef idx="1">
+            <a:schemeClr val="accent1"/>
+          </a:fillRef>
+          <a:effectRef idx="0">
+            <a:schemeClr val="accent1"/>
+          </a:effectRef>
+          <a:fontRef idx="minor">
+            <a:schemeClr val="lt1"/>
+          </a:fontRef>
+        </p:style>
+        <p:txBody>
+          <a:bodyPr rtlCol="0" anchor="ctr"/>
+          <a:lstStyle/>
+          <a:p>
+            <a:pPr algn="ctr"/>
+            <a:r>
+              <a:rPr lang="en-US" altLang="zh-CN" dirty="0" err="1"/>
+              <a:t>GameNetProtoMessageWebSocketServerChannelInitializer</a:t>
+            </a:r>
+            <a:endParaRPr lang="zh-CN" altLang="en-US" dirty="0"/>
+          </a:p>
+        </p:txBody>
+      </p:sp>
+      <p:cxnSp>
+        <p:nvCxnSpPr>
+          <p:cNvPr id="45" name="肘形连接符 44"/>
+          <p:cNvCxnSpPr>
+            <a:stCxn id="6" idx="2"/>
+            <a:endCxn id="39" idx="0"/>
+          </p:cNvCxnSpPr>
+          <p:nvPr/>
+        </p:nvCxnSpPr>
+        <p:spPr>
+          <a:xfrm rot="16200000" flipH="1">
+            <a:off x="5077382" y="3406745"/>
+            <a:ext cx="1012817" cy="2680348"/>
+          </a:xfrm>
+          <a:prstGeom prst="bentConnector3">
+            <a:avLst>
+              <a:gd name="adj1" fmla="val 50000"/>
+            </a:avLst>
+          </a:prstGeom>
+          <a:ln w="38100">
+            <a:solidFill>
+              <a:schemeClr val="accent2">
+                <a:lumMod val="50000"/>
+              </a:schemeClr>
+            </a:solidFill>
+            <a:tailEnd type="triangle"/>
+          </a:ln>
+        </p:spPr>
+        <p:style>
+          <a:lnRef idx="1">
+            <a:schemeClr val="accent1"/>
+          </a:lnRef>
+          <a:fillRef idx="0">
+            <a:schemeClr val="accent1"/>
+          </a:fillRef>
+          <a:effectRef idx="0">
+            <a:schemeClr val="accent1"/>
+          </a:effectRef>
+          <a:fontRef idx="minor">
+            <a:schemeClr val="tx1"/>
+          </a:fontRef>
+        </p:style>
+      </p:cxnSp>
+      <p:sp>
+        <p:nvSpPr>
+          <p:cNvPr id="48" name="文本框 47"/>
+          <p:cNvSpPr txBox="1"/>
+          <p:nvPr/>
+        </p:nvSpPr>
+        <p:spPr>
+          <a:xfrm>
+            <a:off x="4467369" y="4436769"/>
+            <a:ext cx="1433015" cy="369332"/>
+          </a:xfrm>
+          <a:prstGeom prst="rect">
+            <a:avLst/>
+          </a:prstGeom>
+          <a:noFill/>
+        </p:spPr>
+        <p:txBody>
+          <a:bodyPr wrap="square" rtlCol="0">
+            <a:spAutoFit/>
+          </a:bodyPr>
+          <a:lstStyle/>
+          <a:p>
+            <a:r>
+              <a:rPr lang="zh-CN" altLang="en-US" dirty="0" smtClean="0"/>
+              <a:t>初始化通道</a:t>
+            </a:r>
+            <a:endParaRPr lang="zh-CN" altLang="en-US" dirty="0"/>
+          </a:p>
+        </p:txBody>
+      </p:sp>
+    </p:spTree>
+    <p:extLst>
+      <p:ext uri="{BB962C8B-B14F-4D97-AF65-F5344CB8AC3E}">
+        <p14:creationId xmlns:p14="http://schemas.microsoft.com/office/powerpoint/2010/main" val="39340906"/>
+      </p:ext>
+    </p:extLst>
+  </p:cSld>
+  <p:clrMapOvr>
+    <a:masterClrMapping/>
+  </p:clrMapOvr>
+</p:sld>
+</file>
+
+<file path=ppt/slides/slide6.xml><?xml version="1.0" encoding="utf-8"?>
+<p:sld xmlns:a="http://schemas.openxmlformats.org/drawingml/2006/main" xmlns:r="http://schemas.openxmlformats.org/officeDocument/2006/relationships" xmlns:p="http://schemas.openxmlformats.org/presentationml/2006/main">
+  <p:cSld>
+    <p:spTree>
+      <p:nvGrpSpPr>
+        <p:cNvPr id="1" name=""/>
+        <p:cNvGrpSpPr/>
+        <p:nvPr/>
+      </p:nvGrpSpPr>
+      <p:grpSpPr>
+        <a:xfrm>
+          <a:off x="0" y="0"/>
+          <a:ext cx="0" cy="0"/>
+          <a:chOff x="0" y="0"/>
+          <a:chExt cx="0" cy="0"/>
+        </a:xfrm>
+      </p:grpSpPr>
+      <p:sp>
+        <p:nvSpPr>
+          <p:cNvPr id="2" name="标题 1"/>
+          <p:cNvSpPr>
+            <a:spLocks noGrp="1"/>
+          </p:cNvSpPr>
+          <p:nvPr>
+            <p:ph type="title"/>
+          </p:nvPr>
+        </p:nvSpPr>
+        <p:spPr/>
+        <p:txBody>
+          <a:bodyPr/>
+          <a:lstStyle/>
+          <a:p>
+            <a:r>
+              <a:rPr lang="en-US" altLang="zh-CN" dirty="0" err="1"/>
+              <a:t>IService</a:t>
+            </a:r>
+            <a:endParaRPr lang="zh-CN" altLang="en-US" dirty="0"/>
+          </a:p>
+        </p:txBody>
+      </p:sp>
+      <p:sp>
+        <p:nvSpPr>
+          <p:cNvPr id="4" name="圆角矩形 3"/>
+          <p:cNvSpPr/>
+          <p:nvPr/>
+        </p:nvSpPr>
+        <p:spPr>
+          <a:xfrm>
+            <a:off x="-506105" y="3260180"/>
+            <a:ext cx="2688609" cy="382137"/>
+          </a:xfrm>
+          <a:prstGeom prst="roundRect">
+            <a:avLst/>
+          </a:prstGeom>
+          <a:solidFill>
+            <a:schemeClr val="accent2">
+              <a:lumMod val="75000"/>
+            </a:schemeClr>
+          </a:solidFill>
+          <a:ln>
+            <a:noFill/>
+          </a:ln>
+        </p:spPr>
+        <p:style>
+          <a:lnRef idx="2">
+            <a:schemeClr val="accent1">
+              <a:shade val="50000"/>
+            </a:schemeClr>
+          </a:lnRef>
+          <a:fillRef idx="1">
+            <a:schemeClr val="accent1"/>
+          </a:fillRef>
+          <a:effectRef idx="0">
+            <a:schemeClr val="accent1"/>
+          </a:effectRef>
+          <a:fontRef idx="minor">
+            <a:schemeClr val="lt1"/>
+          </a:fontRef>
+        </p:style>
+        <p:txBody>
+          <a:bodyPr rtlCol="0" anchor="ctr"/>
+          <a:lstStyle/>
+          <a:p>
+            <a:pPr algn="ctr"/>
+            <a:r>
+              <a:rPr lang="en-US" altLang="zh-CN" dirty="0" err="1" smtClean="0"/>
+              <a:t>IService</a:t>
+            </a:r>
+            <a:endParaRPr lang="zh-CN" altLang="en-US" dirty="0"/>
+          </a:p>
+        </p:txBody>
+      </p:sp>
+      <p:sp>
+        <p:nvSpPr>
+          <p:cNvPr id="5" name="圆角矩形 4"/>
+          <p:cNvSpPr/>
+          <p:nvPr/>
+        </p:nvSpPr>
+        <p:spPr>
+          <a:xfrm>
+            <a:off x="3793240" y="-70741"/>
+            <a:ext cx="3384645" cy="341194"/>
+          </a:xfrm>
+          <a:prstGeom prst="roundRect">
+            <a:avLst/>
+          </a:prstGeom>
+          <a:solidFill>
+            <a:schemeClr val="accent6">
+              <a:lumMod val="50000"/>
+            </a:schemeClr>
+          </a:solidFill>
+          <a:ln>
+            <a:noFill/>
+          </a:ln>
+        </p:spPr>
+        <p:style>
+          <a:lnRef idx="2">
+            <a:schemeClr val="accent1">
+              <a:shade val="50000"/>
+            </a:schemeClr>
+          </a:lnRef>
+          <a:fillRef idx="1">
+            <a:schemeClr val="accent1"/>
+          </a:fillRef>
+          <a:effectRef idx="0">
+            <a:schemeClr val="accent1"/>
+          </a:effectRef>
+          <a:fontRef idx="minor">
+            <a:schemeClr val="lt1"/>
+          </a:fontRef>
+        </p:style>
+        <p:txBody>
+          <a:bodyPr rtlCol="0" anchor="ctr"/>
+          <a:lstStyle/>
+          <a:p>
+            <a:pPr algn="ctr"/>
+            <a:r>
+              <a:rPr lang="en-US" altLang="zh-CN" dirty="0" err="1"/>
+              <a:t>AsyncNettyHttpHandlerService</a:t>
+            </a:r>
+            <a:endParaRPr lang="zh-CN" altLang="en-US" dirty="0"/>
+          </a:p>
+        </p:txBody>
+      </p:sp>
+      <p:sp>
+        <p:nvSpPr>
+          <p:cNvPr id="6" name="圆角矩形 5"/>
+          <p:cNvSpPr/>
+          <p:nvPr/>
+        </p:nvSpPr>
+        <p:spPr>
+          <a:xfrm>
+            <a:off x="3793240" y="496939"/>
+            <a:ext cx="3384645" cy="341194"/>
+          </a:xfrm>
+          <a:prstGeom prst="roundRect">
+            <a:avLst/>
+          </a:prstGeom>
+          <a:solidFill>
+            <a:schemeClr val="accent6">
+              <a:lumMod val="50000"/>
+            </a:schemeClr>
+          </a:solidFill>
+          <a:ln>
+            <a:noFill/>
+          </a:ln>
+        </p:spPr>
+        <p:style>
+          <a:lnRef idx="2">
+            <a:schemeClr val="accent1">
+              <a:shade val="50000"/>
+            </a:schemeClr>
+          </a:lnRef>
+          <a:fillRef idx="1">
+            <a:schemeClr val="accent1"/>
+          </a:fillRef>
+          <a:effectRef idx="0">
+            <a:schemeClr val="accent1"/>
+          </a:effectRef>
+          <a:fontRef idx="minor">
+            <a:schemeClr val="lt1"/>
+          </a:fontRef>
+        </p:style>
+        <p:txBody>
+          <a:bodyPr rtlCol="0" anchor="ctr"/>
+          <a:lstStyle/>
+          <a:p>
+            <a:pPr algn="ctr"/>
+            <a:r>
+              <a:rPr lang="en-US" altLang="zh-CN" dirty="0" err="1"/>
+              <a:t>AsyncNettyTcpHandlerService</a:t>
+            </a:r>
+            <a:endParaRPr lang="zh-CN" altLang="en-US" dirty="0"/>
+          </a:p>
+        </p:txBody>
+      </p:sp>
+      <p:sp>
+        <p:nvSpPr>
+          <p:cNvPr id="7" name="圆角矩形 6"/>
+          <p:cNvSpPr/>
+          <p:nvPr/>
+        </p:nvSpPr>
+        <p:spPr>
+          <a:xfrm>
+            <a:off x="3793240" y="1028433"/>
+            <a:ext cx="4613781" cy="341194"/>
+          </a:xfrm>
+          <a:prstGeom prst="roundRect">
+            <a:avLst/>
+          </a:prstGeom>
+          <a:solidFill>
+            <a:schemeClr val="accent6">
+              <a:lumMod val="50000"/>
+            </a:schemeClr>
+          </a:solidFill>
+          <a:ln>
+            <a:noFill/>
+          </a:ln>
+        </p:spPr>
+        <p:style>
+          <a:lnRef idx="2">
+            <a:schemeClr val="accent1">
+              <a:shade val="50000"/>
+            </a:schemeClr>
+          </a:lnRef>
+          <a:fillRef idx="1">
+            <a:schemeClr val="accent1"/>
+          </a:fillRef>
+          <a:effectRef idx="0">
+            <a:schemeClr val="accent1"/>
+          </a:effectRef>
+          <a:fontRef idx="minor">
+            <a:schemeClr val="lt1"/>
+          </a:fontRef>
+        </p:style>
+        <p:txBody>
+          <a:bodyPr rtlCol="0" anchor="ctr"/>
+          <a:lstStyle/>
+          <a:p>
+            <a:pPr algn="ctr"/>
+            <a:r>
+              <a:rPr lang="en-US" altLang="zh-CN" dirty="0" err="1"/>
+              <a:t>AsyncNettyWebSocketHandlerExecutorService</a:t>
+            </a:r>
+            <a:endParaRPr lang="zh-CN" altLang="en-US" dirty="0"/>
+          </a:p>
+        </p:txBody>
+      </p:sp>
+      <p:sp>
+        <p:nvSpPr>
+          <p:cNvPr id="8" name="圆角矩形 7"/>
+          <p:cNvSpPr/>
+          <p:nvPr/>
+        </p:nvSpPr>
+        <p:spPr>
+          <a:xfrm>
+            <a:off x="3793240" y="1471646"/>
+            <a:ext cx="3384645" cy="341194"/>
+          </a:xfrm>
+          <a:prstGeom prst="roundRect">
+            <a:avLst/>
+          </a:prstGeom>
+          <a:solidFill>
+            <a:schemeClr val="accent6">
+              <a:lumMod val="50000"/>
+            </a:schemeClr>
+          </a:solidFill>
+          <a:ln>
+            <a:noFill/>
+          </a:ln>
+        </p:spPr>
+        <p:style>
+          <a:lnRef idx="2">
+            <a:schemeClr val="accent1">
+              <a:shade val="50000"/>
+            </a:schemeClr>
+          </a:lnRef>
+          <a:fillRef idx="1">
+            <a:schemeClr val="accent1"/>
+          </a:fillRef>
+          <a:effectRef idx="0">
+            <a:schemeClr val="accent1"/>
+          </a:effectRef>
+          <a:fontRef idx="minor">
+            <a:schemeClr val="lt1"/>
+          </a:fontRef>
+        </p:style>
+        <p:txBody>
+          <a:bodyPr rtlCol="0" anchor="ctr"/>
+          <a:lstStyle/>
+          <a:p>
+            <a:pPr algn="ctr"/>
+            <a:r>
+              <a:rPr lang="en-US" altLang="zh-CN" dirty="0" err="1"/>
+              <a:t>AsyncThreadService</a:t>
+            </a:r>
+            <a:endParaRPr lang="zh-CN" altLang="en-US" dirty="0"/>
+          </a:p>
+        </p:txBody>
+      </p:sp>
+      <p:sp>
+        <p:nvSpPr>
+          <p:cNvPr id="9" name="圆角矩形 8"/>
+          <p:cNvSpPr/>
+          <p:nvPr/>
+        </p:nvSpPr>
+        <p:spPr>
+          <a:xfrm>
+            <a:off x="3793239" y="1990936"/>
+            <a:ext cx="3384645" cy="341194"/>
+          </a:xfrm>
+          <a:prstGeom prst="roundRect">
+            <a:avLst/>
+          </a:prstGeom>
+          <a:solidFill>
+            <a:schemeClr val="accent6">
+              <a:lumMod val="50000"/>
+            </a:schemeClr>
+          </a:solidFill>
+          <a:ln>
+            <a:noFill/>
+          </a:ln>
+        </p:spPr>
+        <p:style>
+          <a:lnRef idx="2">
+            <a:schemeClr val="accent1">
+              <a:shade val="50000"/>
+            </a:schemeClr>
+          </a:lnRef>
+          <a:fillRef idx="1">
+            <a:schemeClr val="accent1"/>
+          </a:fillRef>
+          <a:effectRef idx="0">
+            <a:schemeClr val="accent1"/>
+          </a:effectRef>
+          <a:fontRef idx="minor">
+            <a:schemeClr val="lt1"/>
+          </a:fontRef>
+        </p:style>
+        <p:txBody>
+          <a:bodyPr rtlCol="0" anchor="ctr"/>
+          <a:lstStyle/>
+          <a:p>
+            <a:pPr algn="ctr"/>
+            <a:r>
+              <a:rPr lang="en-US" altLang="zh-CN" dirty="0" err="1"/>
+              <a:t>DefaultClassLoader</a:t>
+            </a:r>
+            <a:endParaRPr lang="zh-CN" altLang="en-US" dirty="0"/>
+          </a:p>
+        </p:txBody>
+      </p:sp>
+      <p:sp>
+        <p:nvSpPr>
+          <p:cNvPr id="10" name="圆角矩形 9"/>
+          <p:cNvSpPr/>
+          <p:nvPr/>
+        </p:nvSpPr>
+        <p:spPr>
+          <a:xfrm>
+            <a:off x="3793239" y="2523198"/>
+            <a:ext cx="3384645" cy="341194"/>
+          </a:xfrm>
+          <a:prstGeom prst="roundRect">
+            <a:avLst/>
+          </a:prstGeom>
+          <a:solidFill>
+            <a:schemeClr val="accent6">
+              <a:lumMod val="50000"/>
+            </a:schemeClr>
+          </a:solidFill>
+          <a:ln>
+            <a:noFill/>
+          </a:ln>
+        </p:spPr>
+        <p:style>
+          <a:lnRef idx="2">
+            <a:schemeClr val="accent1">
+              <a:shade val="50000"/>
+            </a:schemeClr>
+          </a:lnRef>
+          <a:fillRef idx="1">
+            <a:schemeClr val="accent1"/>
+          </a:fillRef>
+          <a:effectRef idx="0">
+            <a:schemeClr val="accent1"/>
+          </a:effectRef>
+          <a:fontRef idx="minor">
+            <a:schemeClr val="lt1"/>
+          </a:fontRef>
+        </p:style>
+        <p:txBody>
+          <a:bodyPr rtlCol="0" anchor="ctr"/>
+          <a:lstStyle/>
+          <a:p>
+            <a:pPr algn="ctr"/>
+            <a:r>
+              <a:rPr lang="en-US" altLang="zh-CN" dirty="0" err="1"/>
+              <a:t>DefaultClassLoader</a:t>
+            </a:r>
+            <a:endParaRPr lang="zh-CN" altLang="en-US" dirty="0"/>
+          </a:p>
+        </p:txBody>
+      </p:sp>
+      <p:sp>
+        <p:nvSpPr>
+          <p:cNvPr id="11" name="圆角矩形 10"/>
+          <p:cNvSpPr/>
+          <p:nvPr/>
+        </p:nvSpPr>
+        <p:spPr>
+          <a:xfrm>
+            <a:off x="3793239" y="3035327"/>
+            <a:ext cx="3384645" cy="341194"/>
+          </a:xfrm>
+          <a:prstGeom prst="roundRect">
+            <a:avLst/>
+          </a:prstGeom>
+          <a:solidFill>
+            <a:schemeClr val="accent6">
+              <a:lumMod val="50000"/>
+            </a:schemeClr>
+          </a:solidFill>
+          <a:ln>
+            <a:noFill/>
+          </a:ln>
+        </p:spPr>
+        <p:style>
+          <a:lnRef idx="2">
+            <a:schemeClr val="accent1">
+              <a:shade val="50000"/>
+            </a:schemeClr>
+          </a:lnRef>
+          <a:fillRef idx="1">
+            <a:schemeClr val="accent1"/>
+          </a:fillRef>
+          <a:effectRef idx="0">
+            <a:schemeClr val="accent1"/>
+          </a:effectRef>
+          <a:fontRef idx="minor">
+            <a:schemeClr val="lt1"/>
+          </a:fontRef>
+        </p:style>
+        <p:txBody>
+          <a:bodyPr rtlCol="0" anchor="ctr"/>
+          <a:lstStyle/>
+          <a:p>
+            <a:pPr algn="ctr"/>
+            <a:r>
+              <a:rPr lang="en-US" altLang="zh-CN" dirty="0" err="1"/>
+              <a:t>DictService</a:t>
+            </a:r>
+            <a:endParaRPr lang="zh-CN" altLang="en-US" dirty="0"/>
+          </a:p>
+        </p:txBody>
+      </p:sp>
+      <p:sp>
+        <p:nvSpPr>
+          <p:cNvPr id="12" name="圆角矩形 11"/>
+          <p:cNvSpPr/>
+          <p:nvPr/>
+        </p:nvSpPr>
+        <p:spPr>
+          <a:xfrm>
+            <a:off x="3793238" y="3547456"/>
+            <a:ext cx="3384645" cy="341194"/>
+          </a:xfrm>
+          <a:prstGeom prst="roundRect">
+            <a:avLst/>
+          </a:prstGeom>
+          <a:solidFill>
+            <a:schemeClr val="accent6">
+              <a:lumMod val="50000"/>
+            </a:schemeClr>
+          </a:solidFill>
+          <a:ln>
+            <a:noFill/>
+          </a:ln>
+        </p:spPr>
+        <p:style>
+          <a:lnRef idx="2">
+            <a:schemeClr val="accent1">
+              <a:shade val="50000"/>
+            </a:schemeClr>
+          </a:lnRef>
+          <a:fillRef idx="1">
+            <a:schemeClr val="accent1"/>
+          </a:fillRef>
+          <a:effectRef idx="0">
+            <a:schemeClr val="accent1"/>
+          </a:effectRef>
+          <a:fontRef idx="minor">
+            <a:schemeClr val="lt1"/>
+          </a:fontRef>
+        </p:style>
+        <p:txBody>
+          <a:bodyPr rtlCol="0" anchor="ctr"/>
+          <a:lstStyle/>
+          <a:p>
+            <a:pPr algn="ctr"/>
+            <a:r>
+              <a:rPr lang="en-US" altLang="zh-CN" dirty="0" err="1"/>
+              <a:t>EhcacheService</a:t>
+            </a:r>
+            <a:endParaRPr lang="zh-CN" altLang="en-US" dirty="0"/>
+          </a:p>
+        </p:txBody>
+      </p:sp>
+      <p:sp>
+        <p:nvSpPr>
+          <p:cNvPr id="13" name="圆角矩形 12"/>
+          <p:cNvSpPr/>
+          <p:nvPr/>
+        </p:nvSpPr>
+        <p:spPr>
+          <a:xfrm>
+            <a:off x="3793238" y="4037046"/>
+            <a:ext cx="3384645" cy="341194"/>
+          </a:xfrm>
+          <a:prstGeom prst="roundRect">
+            <a:avLst/>
+          </a:prstGeom>
+          <a:solidFill>
+            <a:schemeClr val="accent6">
+              <a:lumMod val="50000"/>
+            </a:schemeClr>
+          </a:solidFill>
+          <a:ln>
+            <a:noFill/>
+          </a:ln>
+        </p:spPr>
+        <p:style>
+          <a:lnRef idx="2">
+            <a:schemeClr val="accent1">
+              <a:shade val="50000"/>
+            </a:schemeClr>
+          </a:lnRef>
+          <a:fillRef idx="1">
+            <a:schemeClr val="accent1"/>
+          </a:fillRef>
+          <a:effectRef idx="0">
+            <a:schemeClr val="accent1"/>
+          </a:effectRef>
+          <a:fontRef idx="minor">
+            <a:schemeClr val="lt1"/>
+          </a:fontRef>
+        </p:style>
+        <p:txBody>
+          <a:bodyPr rtlCol="0" anchor="ctr"/>
+          <a:lstStyle/>
+          <a:p>
+            <a:pPr algn="ctr"/>
+            <a:r>
+              <a:rPr lang="en-US" altLang="zh-CN" dirty="0" err="1"/>
+              <a:t>GameAsyncEventService</a:t>
+            </a:r>
+            <a:endParaRPr lang="zh-CN" altLang="en-US" dirty="0"/>
+          </a:p>
+        </p:txBody>
+      </p:sp>
+      <p:sp>
+        <p:nvSpPr>
+          <p:cNvPr id="14" name="圆角矩形 13"/>
+          <p:cNvSpPr/>
+          <p:nvPr/>
+        </p:nvSpPr>
+        <p:spPr>
+          <a:xfrm>
+            <a:off x="3793236" y="4522163"/>
+            <a:ext cx="3384645" cy="341194"/>
+          </a:xfrm>
+          <a:prstGeom prst="roundRect">
+            <a:avLst/>
+          </a:prstGeom>
+          <a:solidFill>
+            <a:schemeClr val="accent6">
+              <a:lumMod val="50000"/>
+            </a:schemeClr>
+          </a:solidFill>
+          <a:ln>
+            <a:noFill/>
+          </a:ln>
+        </p:spPr>
+        <p:style>
+          <a:lnRef idx="2">
+            <a:schemeClr val="accent1">
+              <a:shade val="50000"/>
+            </a:schemeClr>
+          </a:lnRef>
+          <a:fillRef idx="1">
+            <a:schemeClr val="accent1"/>
+          </a:fillRef>
+          <a:effectRef idx="0">
+            <a:schemeClr val="accent1"/>
+          </a:effectRef>
+          <a:fontRef idx="minor">
+            <a:schemeClr val="lt1"/>
+          </a:fontRef>
+        </p:style>
+        <p:txBody>
+          <a:bodyPr rtlCol="0" anchor="ctr"/>
+          <a:lstStyle/>
+          <a:p>
+            <a:pPr algn="ctr"/>
+            <a:r>
+              <a:rPr lang="en-US" altLang="zh-CN" dirty="0" err="1"/>
+              <a:t>GameFacade</a:t>
+            </a:r>
+            <a:endParaRPr lang="zh-CN" altLang="en-US" dirty="0"/>
+          </a:p>
+        </p:txBody>
+      </p:sp>
+      <p:sp>
+        <p:nvSpPr>
+          <p:cNvPr id="15" name="圆角矩形 14"/>
+          <p:cNvSpPr/>
+          <p:nvPr/>
+        </p:nvSpPr>
+        <p:spPr>
+          <a:xfrm>
+            <a:off x="3793235" y="4971769"/>
+            <a:ext cx="3384645" cy="341194"/>
+          </a:xfrm>
+          <a:prstGeom prst="roundRect">
+            <a:avLst/>
+          </a:prstGeom>
+          <a:solidFill>
+            <a:schemeClr val="accent6">
+              <a:lumMod val="50000"/>
+            </a:schemeClr>
+          </a:solidFill>
+          <a:ln>
+            <a:noFill/>
+          </a:ln>
+        </p:spPr>
+        <p:style>
+          <a:lnRef idx="2">
+            <a:schemeClr val="accent1">
+              <a:shade val="50000"/>
+            </a:schemeClr>
+          </a:lnRef>
+          <a:fillRef idx="1">
+            <a:schemeClr val="accent1"/>
+          </a:fillRef>
+          <a:effectRef idx="0">
+            <a:schemeClr val="accent1"/>
+          </a:effectRef>
+          <a:fontRef idx="minor">
+            <a:schemeClr val="lt1"/>
+          </a:fontRef>
+        </p:style>
+        <p:txBody>
+          <a:bodyPr rtlCol="0" anchor="ctr"/>
+          <a:lstStyle/>
+          <a:p>
+            <a:pPr algn="ctr"/>
+            <a:r>
+              <a:rPr lang="en-US" altLang="zh-CN" dirty="0" err="1"/>
+              <a:t>GamerServerStartFinishedService</a:t>
+            </a:r>
+            <a:endParaRPr lang="zh-CN" altLang="en-US" dirty="0"/>
+          </a:p>
+        </p:txBody>
+      </p:sp>
+      <p:sp>
+        <p:nvSpPr>
+          <p:cNvPr id="16" name="圆角矩形 15"/>
+          <p:cNvSpPr/>
+          <p:nvPr/>
+        </p:nvSpPr>
+        <p:spPr>
+          <a:xfrm>
+            <a:off x="3793235" y="5465641"/>
+            <a:ext cx="3384645" cy="341194"/>
+          </a:xfrm>
+          <a:prstGeom prst="roundRect">
+            <a:avLst/>
+          </a:prstGeom>
+          <a:solidFill>
+            <a:schemeClr val="accent6">
+              <a:lumMod val="50000"/>
+            </a:schemeClr>
+          </a:solidFill>
+          <a:ln>
+            <a:noFill/>
+          </a:ln>
+        </p:spPr>
+        <p:style>
+          <a:lnRef idx="2">
+            <a:schemeClr val="accent1">
+              <a:shade val="50000"/>
+            </a:schemeClr>
+          </a:lnRef>
+          <a:fillRef idx="1">
+            <a:schemeClr val="accent1"/>
+          </a:fillRef>
+          <a:effectRef idx="0">
+            <a:schemeClr val="accent1"/>
+          </a:effectRef>
+          <a:fontRef idx="minor">
+            <a:schemeClr val="lt1"/>
+          </a:fontRef>
+        </p:style>
+        <p:txBody>
+          <a:bodyPr rtlCol="0" anchor="ctr"/>
+          <a:lstStyle/>
+          <a:p>
+            <a:pPr algn="ctr"/>
+            <a:r>
+              <a:rPr lang="en-US" altLang="zh-CN" dirty="0" err="1"/>
+              <a:t>GameServerConfigService</a:t>
+            </a:r>
+            <a:endParaRPr lang="zh-CN" altLang="en-US" dirty="0"/>
+          </a:p>
+        </p:txBody>
+      </p:sp>
+      <p:sp>
+        <p:nvSpPr>
+          <p:cNvPr id="18" name="圆角矩形 17"/>
+          <p:cNvSpPr/>
+          <p:nvPr/>
+        </p:nvSpPr>
+        <p:spPr>
+          <a:xfrm>
+            <a:off x="3793234" y="5980308"/>
+            <a:ext cx="3384645" cy="341194"/>
+          </a:xfrm>
+          <a:prstGeom prst="roundRect">
+            <a:avLst/>
+          </a:prstGeom>
+          <a:solidFill>
+            <a:schemeClr val="accent6">
+              <a:lumMod val="50000"/>
+            </a:schemeClr>
+          </a:solidFill>
+          <a:ln>
+            <a:noFill/>
+          </a:ln>
+        </p:spPr>
+        <p:style>
+          <a:lnRef idx="2">
+            <a:schemeClr val="accent1">
+              <a:shade val="50000"/>
+            </a:schemeClr>
+          </a:lnRef>
+          <a:fillRef idx="1">
+            <a:schemeClr val="accent1"/>
+          </a:fillRef>
+          <a:effectRef idx="0">
+            <a:schemeClr val="accent1"/>
+          </a:effectRef>
+          <a:fontRef idx="minor">
+            <a:schemeClr val="lt1"/>
+          </a:fontRef>
+        </p:style>
+        <p:txBody>
+          <a:bodyPr rtlCol="0" anchor="ctr"/>
+          <a:lstStyle/>
+          <a:p>
+            <a:pPr algn="ctr"/>
+            <a:r>
+              <a:rPr lang="en-US" altLang="zh-CN" dirty="0" err="1"/>
+              <a:t>LifeCycleCheckService</a:t>
+            </a:r>
+            <a:endParaRPr lang="zh-CN" altLang="en-US" dirty="0"/>
+          </a:p>
+        </p:txBody>
+      </p:sp>
+      <p:sp>
+        <p:nvSpPr>
+          <p:cNvPr id="19" name="圆角矩形 18"/>
+          <p:cNvSpPr/>
+          <p:nvPr/>
+        </p:nvSpPr>
+        <p:spPr>
+          <a:xfrm>
+            <a:off x="3793234" y="6427376"/>
+            <a:ext cx="3384645" cy="341194"/>
+          </a:xfrm>
+          <a:prstGeom prst="roundRect">
+            <a:avLst/>
+          </a:prstGeom>
+          <a:solidFill>
+            <a:schemeClr val="accent6">
+              <a:lumMod val="50000"/>
+            </a:schemeClr>
+          </a:solidFill>
+          <a:ln>
+            <a:noFill/>
+          </a:ln>
+        </p:spPr>
+        <p:style>
+          <a:lnRef idx="2">
+            <a:schemeClr val="accent1">
+              <a:shade val="50000"/>
+            </a:schemeClr>
+          </a:lnRef>
+          <a:fillRef idx="1">
+            <a:schemeClr val="accent1"/>
+          </a:fillRef>
+          <a:effectRef idx="0">
+            <a:schemeClr val="accent1"/>
+          </a:effectRef>
+          <a:fontRef idx="minor">
+            <a:schemeClr val="lt1"/>
+          </a:fontRef>
+        </p:style>
+        <p:txBody>
+          <a:bodyPr rtlCol="0" anchor="ctr"/>
+          <a:lstStyle/>
+          <a:p>
+            <a:pPr algn="ctr"/>
+            <a:r>
+              <a:rPr lang="en-US" altLang="zh-CN" dirty="0" err="1"/>
+              <a:t>LocalNetService</a:t>
+            </a:r>
+            <a:endParaRPr lang="zh-CN" altLang="en-US" dirty="0"/>
+          </a:p>
+        </p:txBody>
+      </p:sp>
+      <p:cxnSp>
+        <p:nvCxnSpPr>
+          <p:cNvPr id="21" name="肘形连接符 20"/>
+          <p:cNvCxnSpPr>
+            <a:stCxn id="4" idx="3"/>
+            <a:endCxn id="5" idx="1"/>
+          </p:cNvCxnSpPr>
+          <p:nvPr/>
+        </p:nvCxnSpPr>
+        <p:spPr>
+          <a:xfrm flipV="1">
+            <a:off x="2182504" y="99856"/>
+            <a:ext cx="1610736" cy="3351393"/>
+          </a:xfrm>
+          <a:prstGeom prst="bentConnector3">
+            <a:avLst/>
+          </a:prstGeom>
+          <a:ln w="38100">
+            <a:solidFill>
+              <a:schemeClr val="accent2">
+                <a:lumMod val="50000"/>
+              </a:schemeClr>
+            </a:solidFill>
+            <a:tailEnd type="triangle"/>
+          </a:ln>
+        </p:spPr>
+        <p:style>
+          <a:lnRef idx="1">
+            <a:schemeClr val="accent1"/>
+          </a:lnRef>
+          <a:fillRef idx="0">
+            <a:schemeClr val="accent1"/>
+          </a:fillRef>
+          <a:effectRef idx="0">
+            <a:schemeClr val="accent1"/>
+          </a:effectRef>
+          <a:fontRef idx="minor">
+            <a:schemeClr val="tx1"/>
+          </a:fontRef>
+        </p:style>
+      </p:cxnSp>
+      <p:cxnSp>
+        <p:nvCxnSpPr>
+          <p:cNvPr id="23" name="肘形连接符 22"/>
+          <p:cNvCxnSpPr>
+            <a:stCxn id="4" idx="3"/>
+            <a:endCxn id="6" idx="1"/>
+          </p:cNvCxnSpPr>
+          <p:nvPr/>
+        </p:nvCxnSpPr>
+        <p:spPr>
+          <a:xfrm flipV="1">
+            <a:off x="2182504" y="667536"/>
+            <a:ext cx="1610736" cy="2783713"/>
+          </a:xfrm>
+          <a:prstGeom prst="bentConnector3">
+            <a:avLst/>
+          </a:prstGeom>
+          <a:ln w="38100">
+            <a:solidFill>
+              <a:schemeClr val="accent2">
+                <a:lumMod val="50000"/>
+              </a:schemeClr>
+            </a:solidFill>
+            <a:tailEnd type="triangle"/>
+          </a:ln>
+        </p:spPr>
+        <p:style>
+          <a:lnRef idx="1">
+            <a:schemeClr val="accent1"/>
+          </a:lnRef>
+          <a:fillRef idx="0">
+            <a:schemeClr val="accent1"/>
+          </a:fillRef>
+          <a:effectRef idx="0">
+            <a:schemeClr val="accent1"/>
+          </a:effectRef>
+          <a:fontRef idx="minor">
+            <a:schemeClr val="tx1"/>
+          </a:fontRef>
+        </p:style>
+      </p:cxnSp>
+      <p:cxnSp>
+        <p:nvCxnSpPr>
+          <p:cNvPr id="25" name="肘形连接符 24"/>
+          <p:cNvCxnSpPr>
+            <a:stCxn id="4" idx="3"/>
+            <a:endCxn id="7" idx="1"/>
+          </p:cNvCxnSpPr>
+          <p:nvPr/>
+        </p:nvCxnSpPr>
+        <p:spPr>
+          <a:xfrm flipV="1">
+            <a:off x="2182504" y="1199030"/>
+            <a:ext cx="1610736" cy="2252219"/>
+          </a:xfrm>
+          <a:prstGeom prst="bentConnector3">
+            <a:avLst/>
+          </a:prstGeom>
+          <a:ln w="38100">
+            <a:solidFill>
+              <a:schemeClr val="accent2">
+                <a:lumMod val="50000"/>
+              </a:schemeClr>
+            </a:solidFill>
+            <a:tailEnd type="triangle"/>
+          </a:ln>
+        </p:spPr>
+        <p:style>
+          <a:lnRef idx="1">
+            <a:schemeClr val="accent1"/>
+          </a:lnRef>
+          <a:fillRef idx="0">
+            <a:schemeClr val="accent1"/>
+          </a:fillRef>
+          <a:effectRef idx="0">
+            <a:schemeClr val="accent1"/>
+          </a:effectRef>
+          <a:fontRef idx="minor">
+            <a:schemeClr val="tx1"/>
+          </a:fontRef>
+        </p:style>
+      </p:cxnSp>
+      <p:cxnSp>
+        <p:nvCxnSpPr>
+          <p:cNvPr id="27" name="肘形连接符 26"/>
+          <p:cNvCxnSpPr>
+            <a:stCxn id="4" idx="3"/>
+            <a:endCxn id="8" idx="1"/>
+          </p:cNvCxnSpPr>
+          <p:nvPr/>
+        </p:nvCxnSpPr>
+        <p:spPr>
+          <a:xfrm flipV="1">
+            <a:off x="2182504" y="1642243"/>
+            <a:ext cx="1610736" cy="1809006"/>
+          </a:xfrm>
+          <a:prstGeom prst="bentConnector3">
+            <a:avLst/>
+          </a:prstGeom>
+          <a:ln w="38100">
+            <a:solidFill>
+              <a:schemeClr val="accent2">
+                <a:lumMod val="50000"/>
+              </a:schemeClr>
+            </a:solidFill>
+            <a:tailEnd type="triangle"/>
+          </a:ln>
+        </p:spPr>
+        <p:style>
+          <a:lnRef idx="1">
+            <a:schemeClr val="accent1"/>
+          </a:lnRef>
+          <a:fillRef idx="0">
+            <a:schemeClr val="accent1"/>
+          </a:fillRef>
+          <a:effectRef idx="0">
+            <a:schemeClr val="accent1"/>
+          </a:effectRef>
+          <a:fontRef idx="minor">
+            <a:schemeClr val="tx1"/>
+          </a:fontRef>
+        </p:style>
+      </p:cxnSp>
+      <p:cxnSp>
+        <p:nvCxnSpPr>
+          <p:cNvPr id="29" name="肘形连接符 28"/>
+          <p:cNvCxnSpPr>
+            <a:stCxn id="4" idx="3"/>
+            <a:endCxn id="9" idx="1"/>
+          </p:cNvCxnSpPr>
+          <p:nvPr/>
+        </p:nvCxnSpPr>
+        <p:spPr>
+          <a:xfrm flipV="1">
+            <a:off x="2182504" y="2161533"/>
+            <a:ext cx="1610735" cy="1289716"/>
+          </a:xfrm>
+          <a:prstGeom prst="bentConnector3">
+            <a:avLst/>
+          </a:prstGeom>
+          <a:ln w="38100">
+            <a:solidFill>
+              <a:schemeClr val="accent2">
+                <a:lumMod val="50000"/>
+              </a:schemeClr>
+            </a:solidFill>
+            <a:tailEnd type="triangle"/>
+          </a:ln>
+        </p:spPr>
+        <p:style>
+          <a:lnRef idx="1">
+            <a:schemeClr val="accent1"/>
+          </a:lnRef>
+          <a:fillRef idx="0">
+            <a:schemeClr val="accent1"/>
+          </a:fillRef>
+          <a:effectRef idx="0">
+            <a:schemeClr val="accent1"/>
+          </a:effectRef>
+          <a:fontRef idx="minor">
+            <a:schemeClr val="tx1"/>
+          </a:fontRef>
+        </p:style>
+      </p:cxnSp>
+      <p:cxnSp>
+        <p:nvCxnSpPr>
+          <p:cNvPr id="31" name="肘形连接符 30"/>
+          <p:cNvCxnSpPr>
+            <a:stCxn id="4" idx="3"/>
+            <a:endCxn id="10" idx="1"/>
+          </p:cNvCxnSpPr>
+          <p:nvPr/>
+        </p:nvCxnSpPr>
+        <p:spPr>
+          <a:xfrm flipV="1">
+            <a:off x="2182504" y="2693795"/>
+            <a:ext cx="1610735" cy="757454"/>
+          </a:xfrm>
+          <a:prstGeom prst="bentConnector3">
+            <a:avLst/>
+          </a:prstGeom>
+          <a:ln w="38100">
+            <a:solidFill>
+              <a:schemeClr val="accent2">
+                <a:lumMod val="50000"/>
+              </a:schemeClr>
+            </a:solidFill>
+            <a:tailEnd type="triangle"/>
+          </a:ln>
+        </p:spPr>
+        <p:style>
+          <a:lnRef idx="1">
+            <a:schemeClr val="accent1"/>
+          </a:lnRef>
+          <a:fillRef idx="0">
+            <a:schemeClr val="accent1"/>
+          </a:fillRef>
+          <a:effectRef idx="0">
+            <a:schemeClr val="accent1"/>
+          </a:effectRef>
+          <a:fontRef idx="minor">
+            <a:schemeClr val="tx1"/>
+          </a:fontRef>
+        </p:style>
+      </p:cxnSp>
+      <p:cxnSp>
+        <p:nvCxnSpPr>
+          <p:cNvPr id="33" name="肘形连接符 32"/>
+          <p:cNvCxnSpPr>
+            <a:stCxn id="4" idx="3"/>
+            <a:endCxn id="11" idx="1"/>
+          </p:cNvCxnSpPr>
+          <p:nvPr/>
+        </p:nvCxnSpPr>
+        <p:spPr>
+          <a:xfrm flipV="1">
+            <a:off x="2182504" y="3205924"/>
+            <a:ext cx="1610735" cy="245325"/>
+          </a:xfrm>
+          <a:prstGeom prst="bentConnector3">
+            <a:avLst/>
+          </a:prstGeom>
+          <a:ln w="38100">
+            <a:solidFill>
+              <a:schemeClr val="accent2">
+                <a:lumMod val="50000"/>
+              </a:schemeClr>
+            </a:solidFill>
+            <a:tailEnd type="triangle"/>
+          </a:ln>
+        </p:spPr>
+        <p:style>
+          <a:lnRef idx="1">
+            <a:schemeClr val="accent1"/>
+          </a:lnRef>
+          <a:fillRef idx="0">
+            <a:schemeClr val="accent1"/>
+          </a:fillRef>
+          <a:effectRef idx="0">
+            <a:schemeClr val="accent1"/>
+          </a:effectRef>
+          <a:fontRef idx="minor">
+            <a:schemeClr val="tx1"/>
+          </a:fontRef>
+        </p:style>
+      </p:cxnSp>
+      <p:cxnSp>
+        <p:nvCxnSpPr>
+          <p:cNvPr id="35" name="肘形连接符 34"/>
+          <p:cNvCxnSpPr>
+            <a:stCxn id="4" idx="3"/>
+            <a:endCxn id="12" idx="1"/>
+          </p:cNvCxnSpPr>
+          <p:nvPr/>
+        </p:nvCxnSpPr>
+        <p:spPr>
+          <a:xfrm>
+            <a:off x="2182504" y="3451249"/>
+            <a:ext cx="1610734" cy="266804"/>
+          </a:xfrm>
+          <a:prstGeom prst="bentConnector3">
+            <a:avLst/>
+          </a:prstGeom>
+          <a:ln w="38100">
+            <a:solidFill>
+              <a:schemeClr val="accent2">
+                <a:lumMod val="50000"/>
+              </a:schemeClr>
+            </a:solidFill>
+            <a:tailEnd type="triangle"/>
+          </a:ln>
+        </p:spPr>
+        <p:style>
+          <a:lnRef idx="1">
+            <a:schemeClr val="accent1"/>
+          </a:lnRef>
+          <a:fillRef idx="0">
+            <a:schemeClr val="accent1"/>
+          </a:fillRef>
+          <a:effectRef idx="0">
+            <a:schemeClr val="accent1"/>
+          </a:effectRef>
+          <a:fontRef idx="minor">
+            <a:schemeClr val="tx1"/>
+          </a:fontRef>
+        </p:style>
+      </p:cxnSp>
+      <p:cxnSp>
+        <p:nvCxnSpPr>
+          <p:cNvPr id="37" name="肘形连接符 36"/>
+          <p:cNvCxnSpPr>
+            <a:stCxn id="4" idx="3"/>
+            <a:endCxn id="13" idx="1"/>
+          </p:cNvCxnSpPr>
+          <p:nvPr/>
+        </p:nvCxnSpPr>
+        <p:spPr>
+          <a:xfrm>
+            <a:off x="2182504" y="3451249"/>
+            <a:ext cx="1610734" cy="756394"/>
+          </a:xfrm>
+          <a:prstGeom prst="bentConnector3">
+            <a:avLst/>
+          </a:prstGeom>
+          <a:ln w="38100">
+            <a:solidFill>
+              <a:schemeClr val="accent2">
+                <a:lumMod val="50000"/>
+              </a:schemeClr>
+            </a:solidFill>
+            <a:tailEnd type="triangle"/>
+          </a:ln>
+        </p:spPr>
+        <p:style>
+          <a:lnRef idx="1">
+            <a:schemeClr val="accent1"/>
+          </a:lnRef>
+          <a:fillRef idx="0">
+            <a:schemeClr val="accent1"/>
+          </a:fillRef>
+          <a:effectRef idx="0">
+            <a:schemeClr val="accent1"/>
+          </a:effectRef>
+          <a:fontRef idx="minor">
+            <a:schemeClr val="tx1"/>
+          </a:fontRef>
+        </p:style>
+      </p:cxnSp>
+      <p:cxnSp>
+        <p:nvCxnSpPr>
+          <p:cNvPr id="39" name="肘形连接符 38"/>
+          <p:cNvCxnSpPr>
+            <a:stCxn id="4" idx="3"/>
+            <a:endCxn id="14" idx="1"/>
+          </p:cNvCxnSpPr>
+          <p:nvPr/>
+        </p:nvCxnSpPr>
+        <p:spPr>
+          <a:xfrm>
+            <a:off x="2182504" y="3451249"/>
+            <a:ext cx="1610732" cy="1241511"/>
+          </a:xfrm>
+          <a:prstGeom prst="bentConnector3">
+            <a:avLst/>
+          </a:prstGeom>
+          <a:ln w="38100">
+            <a:solidFill>
+              <a:schemeClr val="accent2">
+                <a:lumMod val="50000"/>
+              </a:schemeClr>
+            </a:solidFill>
+            <a:tailEnd type="triangle"/>
+          </a:ln>
+        </p:spPr>
+        <p:style>
+          <a:lnRef idx="1">
+            <a:schemeClr val="accent1"/>
+          </a:lnRef>
+          <a:fillRef idx="0">
+            <a:schemeClr val="accent1"/>
+          </a:fillRef>
+          <a:effectRef idx="0">
+            <a:schemeClr val="accent1"/>
+          </a:effectRef>
+          <a:fontRef idx="minor">
+            <a:schemeClr val="tx1"/>
+          </a:fontRef>
+        </p:style>
+      </p:cxnSp>
+      <p:cxnSp>
+        <p:nvCxnSpPr>
+          <p:cNvPr id="41" name="肘形连接符 40"/>
+          <p:cNvCxnSpPr>
+            <a:stCxn id="4" idx="3"/>
+            <a:endCxn id="15" idx="1"/>
+          </p:cNvCxnSpPr>
+          <p:nvPr/>
+        </p:nvCxnSpPr>
+        <p:spPr>
+          <a:xfrm>
+            <a:off x="2182504" y="3451249"/>
+            <a:ext cx="1610731" cy="1691117"/>
+          </a:xfrm>
+          <a:prstGeom prst="bentConnector3">
+            <a:avLst/>
+          </a:prstGeom>
+          <a:ln w="38100">
+            <a:solidFill>
+              <a:schemeClr val="accent2">
+                <a:lumMod val="50000"/>
+              </a:schemeClr>
+            </a:solidFill>
+            <a:tailEnd type="triangle"/>
+          </a:ln>
+        </p:spPr>
+        <p:style>
+          <a:lnRef idx="1">
+            <a:schemeClr val="accent1"/>
+          </a:lnRef>
+          <a:fillRef idx="0">
+            <a:schemeClr val="accent1"/>
+          </a:fillRef>
+          <a:effectRef idx="0">
+            <a:schemeClr val="accent1"/>
+          </a:effectRef>
+          <a:fontRef idx="minor">
+            <a:schemeClr val="tx1"/>
+          </a:fontRef>
+        </p:style>
+      </p:cxnSp>
+      <p:cxnSp>
+        <p:nvCxnSpPr>
+          <p:cNvPr id="43" name="肘形连接符 42"/>
+          <p:cNvCxnSpPr>
+            <a:stCxn id="4" idx="3"/>
+            <a:endCxn id="16" idx="1"/>
+          </p:cNvCxnSpPr>
+          <p:nvPr/>
+        </p:nvCxnSpPr>
+        <p:spPr>
+          <a:xfrm>
+            <a:off x="2182504" y="3451249"/>
+            <a:ext cx="1610731" cy="2184989"/>
+          </a:xfrm>
+          <a:prstGeom prst="bentConnector3">
+            <a:avLst/>
+          </a:prstGeom>
+          <a:ln w="38100">
+            <a:solidFill>
+              <a:schemeClr val="accent2">
+                <a:lumMod val="50000"/>
+              </a:schemeClr>
+            </a:solidFill>
+            <a:tailEnd type="triangle"/>
+          </a:ln>
+        </p:spPr>
+        <p:style>
+          <a:lnRef idx="1">
+            <a:schemeClr val="accent1"/>
+          </a:lnRef>
+          <a:fillRef idx="0">
+            <a:schemeClr val="accent1"/>
+          </a:fillRef>
+          <a:effectRef idx="0">
+            <a:schemeClr val="accent1"/>
+          </a:effectRef>
+          <a:fontRef idx="minor">
+            <a:schemeClr val="tx1"/>
+          </a:fontRef>
+        </p:style>
+      </p:cxnSp>
+      <p:cxnSp>
+        <p:nvCxnSpPr>
+          <p:cNvPr id="45" name="肘形连接符 44"/>
+          <p:cNvCxnSpPr>
+            <a:stCxn id="4" idx="3"/>
+            <a:endCxn id="18" idx="1"/>
+          </p:cNvCxnSpPr>
+          <p:nvPr/>
+        </p:nvCxnSpPr>
+        <p:spPr>
+          <a:xfrm>
+            <a:off x="2182504" y="3451249"/>
+            <a:ext cx="1610730" cy="2699656"/>
+          </a:xfrm>
+          <a:prstGeom prst="bentConnector3">
+            <a:avLst/>
+          </a:prstGeom>
+          <a:ln w="38100">
+            <a:solidFill>
+              <a:schemeClr val="accent2">
+                <a:lumMod val="50000"/>
+              </a:schemeClr>
+            </a:solidFill>
+            <a:tailEnd type="triangle"/>
+          </a:ln>
+        </p:spPr>
+        <p:style>
+          <a:lnRef idx="1">
+            <a:schemeClr val="accent1"/>
+          </a:lnRef>
+          <a:fillRef idx="0">
+            <a:schemeClr val="accent1"/>
+          </a:fillRef>
+          <a:effectRef idx="0">
+            <a:schemeClr val="accent1"/>
+          </a:effectRef>
+          <a:fontRef idx="minor">
+            <a:schemeClr val="tx1"/>
+          </a:fontRef>
+        </p:style>
+      </p:cxnSp>
+      <p:cxnSp>
+        <p:nvCxnSpPr>
+          <p:cNvPr id="47" name="肘形连接符 46"/>
+          <p:cNvCxnSpPr>
+            <a:stCxn id="4" idx="3"/>
+            <a:endCxn id="19" idx="1"/>
+          </p:cNvCxnSpPr>
+          <p:nvPr/>
+        </p:nvCxnSpPr>
+        <p:spPr>
+          <a:xfrm>
+            <a:off x="2182504" y="3451249"/>
+            <a:ext cx="1610730" cy="3146724"/>
+          </a:xfrm>
+          <a:prstGeom prst="bentConnector3">
+            <a:avLst/>
+          </a:prstGeom>
+          <a:ln w="38100">
+            <a:solidFill>
+              <a:schemeClr val="accent2">
+                <a:lumMod val="50000"/>
+              </a:schemeClr>
+            </a:solidFill>
+            <a:tailEnd type="triangle"/>
+          </a:ln>
+        </p:spPr>
+        <p:style>
+          <a:lnRef idx="1">
+            <a:schemeClr val="accent1"/>
+          </a:lnRef>
+          <a:fillRef idx="0">
+            <a:schemeClr val="accent1"/>
+          </a:fillRef>
+          <a:effectRef idx="0">
+            <a:schemeClr val="accent1"/>
+          </a:effectRef>
+          <a:fontRef idx="minor">
+            <a:schemeClr val="tx1"/>
+          </a:fontRef>
+        </p:style>
+      </p:cxnSp>
+    </p:spTree>
+    <p:extLst>
+      <p:ext uri="{BB962C8B-B14F-4D97-AF65-F5344CB8AC3E}">
+        <p14:creationId xmlns:p14="http://schemas.microsoft.com/office/powerpoint/2010/main" val="2443698153"/>
       </p:ext>
     </p:extLst>
   </p:cSld>
